--- a/artifacts/arch/AI_Email_Classification_Presentation.pptx
+++ b/artifacts/arch/AI_Email_Classification_Presentation.pptx
@@ -5,16 +5,13 @@
     <p:sldMasterId id="2147483648" r:id="rId1"/>
   </p:sldMasterIdLst>
   <p:sldIdLst>
-    <p:sldId id="256" r:id="rId7"/>
-    <p:sldId id="257" r:id="rId8"/>
-    <p:sldId id="258" r:id="rId9"/>
-    <p:sldId id="259" r:id="rId10"/>
-    <p:sldId id="260" r:id="rId11"/>
-    <p:sldId id="261" r:id="rId12"/>
-    <p:sldId id="262" r:id="rId13"/>
-    <p:sldId id="263" r:id="rId14"/>
-    <p:sldId id="264" r:id="rId15"/>
-    <p:sldId id="265" r:id="rId16"/>
+    <p:sldId id="256" r:id="rId2"/>
+    <p:sldId id="257" r:id="rId3"/>
+    <p:sldId id="258" r:id="rId4"/>
+    <p:sldId id="261" r:id="rId5"/>
+    <p:sldId id="266" r:id="rId6"/>
+    <p:sldId id="263" r:id="rId7"/>
+    <p:sldId id="264" r:id="rId8"/>
   </p:sldIdLst>
   <p:sldSz cx="9144000" cy="6858000" type="screen4x3"/>
   <p:notesSz cx="6858000" cy="9144000"/>
@@ -113,6 +110,22 @@
       </a:defRPr>
     </a:lvl9pPr>
   </p:defaultTextStyle>
+  <p:extLst>
+    <p:ext uri="{EFAFB233-063F-42B5-8137-9DF3F51BA10A}">
+      <p15:sldGuideLst xmlns:p15="http://schemas.microsoft.com/office/powerpoint/2012/main">
+        <p15:guide id="1" orient="horz" pos="2160">
+          <p15:clr>
+            <a:srgbClr val="A4A3A4"/>
+          </p15:clr>
+        </p15:guide>
+        <p15:guide id="2" pos="2880">
+          <p15:clr>
+            <a:srgbClr val="A4A3A4"/>
+          </p15:clr>
+        </p15:guide>
+      </p15:sldGuideLst>
+    </p:ext>
+  </p:extLst>
 </p:presentation>
 </file>
 
@@ -154,10 +167,9 @@
           <a:lstStyle/>
           <a:p>
             <a:r>
-              <a:rPr lang="en-US" smtClean="0"/>
+              <a:rPr lang="en-US"/>
               <a:t>Click to edit Master title style</a:t>
             </a:r>
-            <a:endParaRPr lang="en-US"/>
           </a:p>
         </p:txBody>
       </p:sp>
@@ -273,10 +285,9 @@
           </a:lstStyle>
           <a:p>
             <a:r>
-              <a:rPr lang="en-US" smtClean="0"/>
+              <a:rPr lang="en-US"/>
               <a:t>Click to edit Master subtitle style</a:t>
             </a:r>
-            <a:endParaRPr lang="en-US"/>
           </a:p>
         </p:txBody>
       </p:sp>
@@ -297,7 +308,7 @@
           <a:p>
             <a:fld id="{5BCAD085-E8A6-8845-BD4E-CB4CCA059FC4}" type="datetimeFigureOut">
               <a:rPr lang="en-US" smtClean="0"/>
-              <a:t>1/27/13</a:t>
+              <a:t>3/26/2025</a:t>
             </a:fld>
             <a:endParaRPr lang="en-US"/>
           </a:p>
@@ -391,10 +402,9 @@
           <a:lstStyle/>
           <a:p>
             <a:r>
-              <a:rPr lang="en-US" smtClean="0"/>
+              <a:rPr lang="en-US"/>
               <a:t>Click to edit Master title style</a:t>
             </a:r>
-            <a:endParaRPr lang="en-US"/>
           </a:p>
         </p:txBody>
       </p:sp>
@@ -415,38 +425,37 @@
           <a:p>
             <a:pPr lvl="0"/>
             <a:r>
-              <a:rPr lang="en-US" smtClean="0"/>
+              <a:rPr lang="en-US"/>
               <a:t>Click to edit Master text styles</a:t>
             </a:r>
           </a:p>
           <a:p>
             <a:pPr lvl="1"/>
             <a:r>
-              <a:rPr lang="en-US" smtClean="0"/>
+              <a:rPr lang="en-US"/>
               <a:t>Second level</a:t>
             </a:r>
           </a:p>
           <a:p>
             <a:pPr lvl="2"/>
             <a:r>
-              <a:rPr lang="en-US" smtClean="0"/>
+              <a:rPr lang="en-US"/>
               <a:t>Third level</a:t>
             </a:r>
           </a:p>
           <a:p>
             <a:pPr lvl="3"/>
             <a:r>
-              <a:rPr lang="en-US" smtClean="0"/>
+              <a:rPr lang="en-US"/>
               <a:t>Fourth level</a:t>
             </a:r>
           </a:p>
           <a:p>
             <a:pPr lvl="4"/>
             <a:r>
-              <a:rPr lang="en-US" smtClean="0"/>
+              <a:rPr lang="en-US"/>
               <a:t>Fifth level</a:t>
             </a:r>
-            <a:endParaRPr lang="en-US"/>
           </a:p>
         </p:txBody>
       </p:sp>
@@ -467,7 +476,7 @@
           <a:p>
             <a:fld id="{5BCAD085-E8A6-8845-BD4E-CB4CCA059FC4}" type="datetimeFigureOut">
               <a:rPr lang="en-US" smtClean="0"/>
-              <a:t>1/27/13</a:t>
+              <a:t>3/26/2025</a:t>
             </a:fld>
             <a:endParaRPr lang="en-US"/>
           </a:p>
@@ -566,10 +575,9 @@
           <a:lstStyle/>
           <a:p>
             <a:r>
-              <a:rPr lang="en-US" smtClean="0"/>
+              <a:rPr lang="en-US"/>
               <a:t>Click to edit Master title style</a:t>
             </a:r>
-            <a:endParaRPr lang="en-US"/>
           </a:p>
         </p:txBody>
       </p:sp>
@@ -595,38 +603,37 @@
           <a:p>
             <a:pPr lvl="0"/>
             <a:r>
-              <a:rPr lang="en-US" smtClean="0"/>
+              <a:rPr lang="en-US"/>
               <a:t>Click to edit Master text styles</a:t>
             </a:r>
           </a:p>
           <a:p>
             <a:pPr lvl="1"/>
             <a:r>
-              <a:rPr lang="en-US" smtClean="0"/>
+              <a:rPr lang="en-US"/>
               <a:t>Second level</a:t>
             </a:r>
           </a:p>
           <a:p>
             <a:pPr lvl="2"/>
             <a:r>
-              <a:rPr lang="en-US" smtClean="0"/>
+              <a:rPr lang="en-US"/>
               <a:t>Third level</a:t>
             </a:r>
           </a:p>
           <a:p>
             <a:pPr lvl="3"/>
             <a:r>
-              <a:rPr lang="en-US" smtClean="0"/>
+              <a:rPr lang="en-US"/>
               <a:t>Fourth level</a:t>
             </a:r>
           </a:p>
           <a:p>
             <a:pPr lvl="4"/>
             <a:r>
-              <a:rPr lang="en-US" smtClean="0"/>
+              <a:rPr lang="en-US"/>
               <a:t>Fifth level</a:t>
             </a:r>
-            <a:endParaRPr lang="en-US"/>
           </a:p>
         </p:txBody>
       </p:sp>
@@ -647,7 +654,7 @@
           <a:p>
             <a:fld id="{5BCAD085-E8A6-8845-BD4E-CB4CCA059FC4}" type="datetimeFigureOut">
               <a:rPr lang="en-US" smtClean="0"/>
-              <a:t>1/27/13</a:t>
+              <a:t>3/26/2025</a:t>
             </a:fld>
             <a:endParaRPr lang="en-US"/>
           </a:p>
@@ -741,10 +748,9 @@
           <a:lstStyle/>
           <a:p>
             <a:r>
-              <a:rPr lang="en-US" smtClean="0"/>
+              <a:rPr lang="en-US"/>
               <a:t>Click to edit Master title style</a:t>
             </a:r>
-            <a:endParaRPr lang="en-US"/>
           </a:p>
         </p:txBody>
       </p:sp>
@@ -765,38 +771,37 @@
           <a:p>
             <a:pPr lvl="0"/>
             <a:r>
-              <a:rPr lang="en-US" smtClean="0"/>
+              <a:rPr lang="en-US"/>
               <a:t>Click to edit Master text styles</a:t>
             </a:r>
           </a:p>
           <a:p>
             <a:pPr lvl="1"/>
             <a:r>
-              <a:rPr lang="en-US" smtClean="0"/>
+              <a:rPr lang="en-US"/>
               <a:t>Second level</a:t>
             </a:r>
           </a:p>
           <a:p>
             <a:pPr lvl="2"/>
             <a:r>
-              <a:rPr lang="en-US" smtClean="0"/>
+              <a:rPr lang="en-US"/>
               <a:t>Third level</a:t>
             </a:r>
           </a:p>
           <a:p>
             <a:pPr lvl="3"/>
             <a:r>
-              <a:rPr lang="en-US" smtClean="0"/>
+              <a:rPr lang="en-US"/>
               <a:t>Fourth level</a:t>
             </a:r>
           </a:p>
           <a:p>
             <a:pPr lvl="4"/>
             <a:r>
-              <a:rPr lang="en-US" smtClean="0"/>
+              <a:rPr lang="en-US"/>
               <a:t>Fifth level</a:t>
             </a:r>
-            <a:endParaRPr lang="en-US"/>
           </a:p>
         </p:txBody>
       </p:sp>
@@ -817,7 +822,7 @@
           <a:p>
             <a:fld id="{5BCAD085-E8A6-8845-BD4E-CB4CCA059FC4}" type="datetimeFigureOut">
               <a:rPr lang="en-US" smtClean="0"/>
-              <a:t>1/27/13</a:t>
+              <a:t>3/26/2025</a:t>
             </a:fld>
             <a:endParaRPr lang="en-US"/>
           </a:p>
@@ -920,10 +925,9 @@
           </a:lstStyle>
           <a:p>
             <a:r>
-              <a:rPr lang="en-US" smtClean="0"/>
+              <a:rPr lang="en-US"/>
               <a:t>Click to edit Master title style</a:t>
             </a:r>
-            <a:endParaRPr lang="en-US"/>
           </a:p>
         </p:txBody>
       </p:sp>
@@ -1040,7 +1044,7 @@
           <a:p>
             <a:pPr lvl="0"/>
             <a:r>
-              <a:rPr lang="en-US" smtClean="0"/>
+              <a:rPr lang="en-US"/>
               <a:t>Click to edit Master text styles</a:t>
             </a:r>
           </a:p>
@@ -1063,7 +1067,7 @@
           <a:p>
             <a:fld id="{5BCAD085-E8A6-8845-BD4E-CB4CCA059FC4}" type="datetimeFigureOut">
               <a:rPr lang="en-US" smtClean="0"/>
-              <a:t>1/27/13</a:t>
+              <a:t>3/26/2025</a:t>
             </a:fld>
             <a:endParaRPr lang="en-US"/>
           </a:p>
@@ -1157,10 +1161,9 @@
           <a:lstStyle/>
           <a:p>
             <a:r>
-              <a:rPr lang="en-US" smtClean="0"/>
+              <a:rPr lang="en-US"/>
               <a:t>Click to edit Master title style</a:t>
             </a:r>
-            <a:endParaRPr lang="en-US"/>
           </a:p>
         </p:txBody>
       </p:sp>
@@ -1214,38 +1217,37 @@
           <a:p>
             <a:pPr lvl="0"/>
             <a:r>
-              <a:rPr lang="en-US" smtClean="0"/>
+              <a:rPr lang="en-US"/>
               <a:t>Click to edit Master text styles</a:t>
             </a:r>
           </a:p>
           <a:p>
             <a:pPr lvl="1"/>
             <a:r>
-              <a:rPr lang="en-US" smtClean="0"/>
+              <a:rPr lang="en-US"/>
               <a:t>Second level</a:t>
             </a:r>
           </a:p>
           <a:p>
             <a:pPr lvl="2"/>
             <a:r>
-              <a:rPr lang="en-US" smtClean="0"/>
+              <a:rPr lang="en-US"/>
               <a:t>Third level</a:t>
             </a:r>
           </a:p>
           <a:p>
             <a:pPr lvl="3"/>
             <a:r>
-              <a:rPr lang="en-US" smtClean="0"/>
+              <a:rPr lang="en-US"/>
               <a:t>Fourth level</a:t>
             </a:r>
           </a:p>
           <a:p>
             <a:pPr lvl="4"/>
             <a:r>
-              <a:rPr lang="en-US" smtClean="0"/>
+              <a:rPr lang="en-US"/>
               <a:t>Fifth level</a:t>
             </a:r>
-            <a:endParaRPr lang="en-US"/>
           </a:p>
         </p:txBody>
       </p:sp>
@@ -1299,38 +1301,37 @@
           <a:p>
             <a:pPr lvl="0"/>
             <a:r>
-              <a:rPr lang="en-US" smtClean="0"/>
+              <a:rPr lang="en-US"/>
               <a:t>Click to edit Master text styles</a:t>
             </a:r>
           </a:p>
           <a:p>
             <a:pPr lvl="1"/>
             <a:r>
-              <a:rPr lang="en-US" smtClean="0"/>
+              <a:rPr lang="en-US"/>
               <a:t>Second level</a:t>
             </a:r>
           </a:p>
           <a:p>
             <a:pPr lvl="2"/>
             <a:r>
-              <a:rPr lang="en-US" smtClean="0"/>
+              <a:rPr lang="en-US"/>
               <a:t>Third level</a:t>
             </a:r>
           </a:p>
           <a:p>
             <a:pPr lvl="3"/>
             <a:r>
-              <a:rPr lang="en-US" smtClean="0"/>
+              <a:rPr lang="en-US"/>
               <a:t>Fourth level</a:t>
             </a:r>
           </a:p>
           <a:p>
             <a:pPr lvl="4"/>
             <a:r>
-              <a:rPr lang="en-US" smtClean="0"/>
+              <a:rPr lang="en-US"/>
               <a:t>Fifth level</a:t>
             </a:r>
-            <a:endParaRPr lang="en-US"/>
           </a:p>
         </p:txBody>
       </p:sp>
@@ -1351,7 +1352,7 @@
           <a:p>
             <a:fld id="{5BCAD085-E8A6-8845-BD4E-CB4CCA059FC4}" type="datetimeFigureOut">
               <a:rPr lang="en-US" smtClean="0"/>
-              <a:t>1/27/13</a:t>
+              <a:t>3/26/2025</a:t>
             </a:fld>
             <a:endParaRPr lang="en-US"/>
           </a:p>
@@ -1449,10 +1450,9 @@
           </a:lstStyle>
           <a:p>
             <a:r>
-              <a:rPr lang="en-US" smtClean="0"/>
+              <a:rPr lang="en-US"/>
               <a:t>Click to edit Master title style</a:t>
             </a:r>
-            <a:endParaRPr lang="en-US"/>
           </a:p>
         </p:txBody>
       </p:sp>
@@ -1515,7 +1515,7 @@
           <a:p>
             <a:pPr lvl="0"/>
             <a:r>
-              <a:rPr lang="en-US" smtClean="0"/>
+              <a:rPr lang="en-US"/>
               <a:t>Click to edit Master text styles</a:t>
             </a:r>
           </a:p>
@@ -1571,38 +1571,37 @@
           <a:p>
             <a:pPr lvl="0"/>
             <a:r>
-              <a:rPr lang="en-US" smtClean="0"/>
+              <a:rPr lang="en-US"/>
               <a:t>Click to edit Master text styles</a:t>
             </a:r>
           </a:p>
           <a:p>
             <a:pPr lvl="1"/>
             <a:r>
-              <a:rPr lang="en-US" smtClean="0"/>
+              <a:rPr lang="en-US"/>
               <a:t>Second level</a:t>
             </a:r>
           </a:p>
           <a:p>
             <a:pPr lvl="2"/>
             <a:r>
-              <a:rPr lang="en-US" smtClean="0"/>
+              <a:rPr lang="en-US"/>
               <a:t>Third level</a:t>
             </a:r>
           </a:p>
           <a:p>
             <a:pPr lvl="3"/>
             <a:r>
-              <a:rPr lang="en-US" smtClean="0"/>
+              <a:rPr lang="en-US"/>
               <a:t>Fourth level</a:t>
             </a:r>
           </a:p>
           <a:p>
             <a:pPr lvl="4"/>
             <a:r>
-              <a:rPr lang="en-US" smtClean="0"/>
+              <a:rPr lang="en-US"/>
               <a:t>Fifth level</a:t>
             </a:r>
-            <a:endParaRPr lang="en-US"/>
           </a:p>
         </p:txBody>
       </p:sp>
@@ -1665,7 +1664,7 @@
           <a:p>
             <a:pPr lvl="0"/>
             <a:r>
-              <a:rPr lang="en-US" smtClean="0"/>
+              <a:rPr lang="en-US"/>
               <a:t>Click to edit Master text styles</a:t>
             </a:r>
           </a:p>
@@ -1721,38 +1720,37 @@
           <a:p>
             <a:pPr lvl="0"/>
             <a:r>
-              <a:rPr lang="en-US" smtClean="0"/>
+              <a:rPr lang="en-US"/>
               <a:t>Click to edit Master text styles</a:t>
             </a:r>
           </a:p>
           <a:p>
             <a:pPr lvl="1"/>
             <a:r>
-              <a:rPr lang="en-US" smtClean="0"/>
+              <a:rPr lang="en-US"/>
               <a:t>Second level</a:t>
             </a:r>
           </a:p>
           <a:p>
             <a:pPr lvl="2"/>
             <a:r>
-              <a:rPr lang="en-US" smtClean="0"/>
+              <a:rPr lang="en-US"/>
               <a:t>Third level</a:t>
             </a:r>
           </a:p>
           <a:p>
             <a:pPr lvl="3"/>
             <a:r>
-              <a:rPr lang="en-US" smtClean="0"/>
+              <a:rPr lang="en-US"/>
               <a:t>Fourth level</a:t>
             </a:r>
           </a:p>
           <a:p>
             <a:pPr lvl="4"/>
             <a:r>
-              <a:rPr lang="en-US" smtClean="0"/>
+              <a:rPr lang="en-US"/>
               <a:t>Fifth level</a:t>
             </a:r>
-            <a:endParaRPr lang="en-US"/>
           </a:p>
         </p:txBody>
       </p:sp>
@@ -1773,7 +1771,7 @@
           <a:p>
             <a:fld id="{5BCAD085-E8A6-8845-BD4E-CB4CCA059FC4}" type="datetimeFigureOut">
               <a:rPr lang="en-US" smtClean="0"/>
-              <a:t>1/27/13</a:t>
+              <a:t>3/26/2025</a:t>
             </a:fld>
             <a:endParaRPr lang="en-US"/>
           </a:p>
@@ -1867,10 +1865,9 @@
           <a:lstStyle/>
           <a:p>
             <a:r>
-              <a:rPr lang="en-US" smtClean="0"/>
+              <a:rPr lang="en-US"/>
               <a:t>Click to edit Master title style</a:t>
             </a:r>
-            <a:endParaRPr lang="en-US"/>
           </a:p>
         </p:txBody>
       </p:sp>
@@ -1891,7 +1888,7 @@
           <a:p>
             <a:fld id="{5BCAD085-E8A6-8845-BD4E-CB4CCA059FC4}" type="datetimeFigureOut">
               <a:rPr lang="en-US" smtClean="0"/>
-              <a:t>1/27/13</a:t>
+              <a:t>3/26/2025</a:t>
             </a:fld>
             <a:endParaRPr lang="en-US"/>
           </a:p>
@@ -1986,7 +1983,7 @@
           <a:p>
             <a:fld id="{5BCAD085-E8A6-8845-BD4E-CB4CCA059FC4}" type="datetimeFigureOut">
               <a:rPr lang="en-US" smtClean="0"/>
-              <a:t>1/27/13</a:t>
+              <a:t>3/26/2025</a:t>
             </a:fld>
             <a:endParaRPr lang="en-US"/>
           </a:p>
@@ -2089,10 +2086,9 @@
           </a:lstStyle>
           <a:p>
             <a:r>
-              <a:rPr lang="en-US" smtClean="0"/>
+              <a:rPr lang="en-US"/>
               <a:t>Click to edit Master title style</a:t>
             </a:r>
-            <a:endParaRPr lang="en-US"/>
           </a:p>
         </p:txBody>
       </p:sp>
@@ -2146,38 +2142,37 @@
           <a:p>
             <a:pPr lvl="0"/>
             <a:r>
-              <a:rPr lang="en-US" smtClean="0"/>
+              <a:rPr lang="en-US"/>
               <a:t>Click to edit Master text styles</a:t>
             </a:r>
           </a:p>
           <a:p>
             <a:pPr lvl="1"/>
             <a:r>
-              <a:rPr lang="en-US" smtClean="0"/>
+              <a:rPr lang="en-US"/>
               <a:t>Second level</a:t>
             </a:r>
           </a:p>
           <a:p>
             <a:pPr lvl="2"/>
             <a:r>
-              <a:rPr lang="en-US" smtClean="0"/>
+              <a:rPr lang="en-US"/>
               <a:t>Third level</a:t>
             </a:r>
           </a:p>
           <a:p>
             <a:pPr lvl="3"/>
             <a:r>
-              <a:rPr lang="en-US" smtClean="0"/>
+              <a:rPr lang="en-US"/>
               <a:t>Fourth level</a:t>
             </a:r>
           </a:p>
           <a:p>
             <a:pPr lvl="4"/>
             <a:r>
-              <a:rPr lang="en-US" smtClean="0"/>
+              <a:rPr lang="en-US"/>
               <a:t>Fifth level</a:t>
             </a:r>
-            <a:endParaRPr lang="en-US"/>
           </a:p>
         </p:txBody>
       </p:sp>
@@ -2240,7 +2235,7 @@
           <a:p>
             <a:pPr lvl="0"/>
             <a:r>
-              <a:rPr lang="en-US" smtClean="0"/>
+              <a:rPr lang="en-US"/>
               <a:t>Click to edit Master text styles</a:t>
             </a:r>
           </a:p>
@@ -2263,7 +2258,7 @@
           <a:p>
             <a:fld id="{5BCAD085-E8A6-8845-BD4E-CB4CCA059FC4}" type="datetimeFigureOut">
               <a:rPr lang="en-US" smtClean="0"/>
-              <a:t>1/27/13</a:t>
+              <a:t>3/26/2025</a:t>
             </a:fld>
             <a:endParaRPr lang="en-US"/>
           </a:p>
@@ -2366,10 +2361,9 @@
           </a:lstStyle>
           <a:p>
             <a:r>
-              <a:rPr lang="en-US" smtClean="0"/>
+              <a:rPr lang="en-US"/>
               <a:t>Click to edit Master title style</a:t>
             </a:r>
-            <a:endParaRPr lang="en-US"/>
           </a:p>
         </p:txBody>
       </p:sp>
@@ -2493,7 +2487,7 @@
           <a:p>
             <a:pPr lvl="0"/>
             <a:r>
-              <a:rPr lang="en-US" smtClean="0"/>
+              <a:rPr lang="en-US"/>
               <a:t>Click to edit Master text styles</a:t>
             </a:r>
           </a:p>
@@ -2516,7 +2510,7 @@
           <a:p>
             <a:fld id="{5BCAD085-E8A6-8845-BD4E-CB4CCA059FC4}" type="datetimeFigureOut">
               <a:rPr lang="en-US" smtClean="0"/>
-              <a:t>1/27/13</a:t>
+              <a:t>3/26/2025</a:t>
             </a:fld>
             <a:endParaRPr lang="en-US"/>
           </a:p>
@@ -2625,10 +2619,9 @@
           <a:lstStyle/>
           <a:p>
             <a:r>
-              <a:rPr lang="en-US" smtClean="0"/>
+              <a:rPr lang="en-US"/>
               <a:t>Click to edit Master title style</a:t>
             </a:r>
-            <a:endParaRPr lang="en-US"/>
           </a:p>
         </p:txBody>
       </p:sp>
@@ -2659,38 +2652,37 @@
           <a:p>
             <a:pPr lvl="0"/>
             <a:r>
-              <a:rPr lang="en-US" smtClean="0"/>
+              <a:rPr lang="en-US"/>
               <a:t>Click to edit Master text styles</a:t>
             </a:r>
           </a:p>
           <a:p>
             <a:pPr lvl="1"/>
             <a:r>
-              <a:rPr lang="en-US" smtClean="0"/>
+              <a:rPr lang="en-US"/>
               <a:t>Second level</a:t>
             </a:r>
           </a:p>
           <a:p>
             <a:pPr lvl="2"/>
             <a:r>
-              <a:rPr lang="en-US" smtClean="0"/>
+              <a:rPr lang="en-US"/>
               <a:t>Third level</a:t>
             </a:r>
           </a:p>
           <a:p>
             <a:pPr lvl="3"/>
             <a:r>
-              <a:rPr lang="en-US" smtClean="0"/>
+              <a:rPr lang="en-US"/>
               <a:t>Fourth level</a:t>
             </a:r>
           </a:p>
           <a:p>
             <a:pPr lvl="4"/>
             <a:r>
-              <a:rPr lang="en-US" smtClean="0"/>
+              <a:rPr lang="en-US"/>
               <a:t>Fifth level</a:t>
             </a:r>
-            <a:endParaRPr lang="en-US"/>
           </a:p>
         </p:txBody>
       </p:sp>
@@ -2729,7 +2721,7 @@
           <a:p>
             <a:fld id="{5BCAD085-E8A6-8845-BD4E-CB4CCA059FC4}" type="datetimeFigureOut">
               <a:rPr lang="en-US" smtClean="0"/>
-              <a:t>1/27/13</a:t>
+              <a:t>3/26/2025</a:t>
             </a:fld>
             <a:endParaRPr lang="en-US"/>
           </a:p>
@@ -3088,7 +3080,7 @@
 </file>
 
 <file path=ppt/slides/slide1.xml><?xml version="1.0" encoding="utf-8"?>
-<p:sld xmlns:a="http://schemas.openxmlformats.org/drawingml/2006/main" xmlns:p="http://schemas.openxmlformats.org/presentationml/2006/main" xmlns:r="http://schemas.openxmlformats.org/officeDocument/2006/relationships">
+<p:sld xmlns:a="http://schemas.openxmlformats.org/drawingml/2006/main" xmlns:r="http://schemas.openxmlformats.org/officeDocument/2006/relationships" xmlns:p="http://schemas.openxmlformats.org/presentationml/2006/main">
   <p:cSld>
     <p:spTree>
       <p:nvGrpSpPr>
@@ -3096,7 +3088,14 @@
         <p:cNvGrpSpPr/>
         <p:nvPr/>
       </p:nvGrpSpPr>
-      <p:grpSpPr/>
+      <p:grpSpPr>
+        <a:xfrm>
+          <a:off x="0" y="0"/>
+          <a:ext cx="0" cy="0"/>
+          <a:chOff x="0" y="0"/>
+          <a:chExt cx="0" cy="0"/>
+        </a:xfrm>
+      </p:grpSpPr>
       <p:sp>
         <p:nvSpPr>
           <p:cNvPr id="2" name="Title 1"/>
@@ -3109,12 +3108,28 @@
         </p:nvSpPr>
         <p:spPr/>
         <p:txBody>
-          <a:bodyPr/>
-          <a:lstStyle/>
-          <a:p>
-            <a:r>
-              <a:t>AI-Powered Email Classification &amp; Metadata Extraction</a:t>
-            </a:r>
+          <a:bodyPr>
+            <a:normAutofit/>
+          </a:bodyPr>
+          <a:lstStyle/>
+          <a:p>
+            <a:r>
+              <a:rPr dirty="0"/>
+              <a:t>AI-Powered </a:t>
+            </a:r>
+            <a:r>
+              <a:rPr lang="en-IN" dirty="0"/>
+              <a:t>Orchestrator for </a:t>
+            </a:r>
+            <a:r>
+              <a:rPr dirty="0"/>
+              <a:t>Email Classification &amp; </a:t>
+            </a:r>
+            <a:r>
+              <a:rPr lang="en-IN" dirty="0"/>
+              <a:t>Triage</a:t>
+            </a:r>
+            <a:endParaRPr dirty="0"/>
           </a:p>
         </p:txBody>
       </p:sp>
@@ -3134,73 +3149,26 @@
           <a:lstStyle/>
           <a:p>
             <a:r>
-              <a:t>Automating email classification &amp; metadata extraction in commercial banking</a:t>
-            </a:r>
-          </a:p>
-        </p:txBody>
-      </p:sp>
-    </p:spTree>
-  </p:cSld>
-  <p:clrMapOvr>
-    <a:masterClrMapping/>
-  </p:clrMapOvr>
-</p:sld>
-</file>
-
-<file path=ppt/slides/slide10.xml><?xml version="1.0" encoding="utf-8"?>
-<p:sld xmlns:a="http://schemas.openxmlformats.org/drawingml/2006/main" xmlns:p="http://schemas.openxmlformats.org/presentationml/2006/main" xmlns:r="http://schemas.openxmlformats.org/officeDocument/2006/relationships">
-  <p:cSld>
-    <p:spTree>
-      <p:nvGrpSpPr>
-        <p:cNvPr id="1" name=""/>
-        <p:cNvGrpSpPr/>
-        <p:nvPr/>
-      </p:nvGrpSpPr>
-      <p:grpSpPr/>
-      <p:sp>
-        <p:nvSpPr>
-          <p:cNvPr id="2" name="Title 1"/>
-          <p:cNvSpPr>
-            <a:spLocks noGrp="1"/>
-          </p:cNvSpPr>
-          <p:nvPr>
-            <p:ph type="title"/>
-          </p:nvPr>
-        </p:nvSpPr>
-        <p:spPr/>
-        <p:txBody>
-          <a:bodyPr/>
-          <a:lstStyle/>
-          <a:p>
-            <a:r>
-              <a:t>Contributors &amp; Contact</a:t>
-            </a:r>
-          </a:p>
-        </p:txBody>
-      </p:sp>
-      <p:sp>
-        <p:nvSpPr>
-          <p:cNvPr id="3" name="Content Placeholder 2"/>
-          <p:cNvSpPr>
-            <a:spLocks noGrp="1"/>
-          </p:cNvSpPr>
-          <p:nvPr>
-            <p:ph idx="1"/>
-          </p:nvPr>
-        </p:nvSpPr>
-        <p:spPr/>
-        <p:txBody>
-          <a:bodyPr/>
-          <a:lstStyle/>
-          <a:p>
-            <a:r>
-              <a:t>📧 Email: [Your Email]</a:t>
-            </a:r>
-          </a:p>
-          <a:p>
-            <a:r>
-              <a:t>🔗 GitHub: [Your GitHub Link]</a:t>
-            </a:r>
+              <a:rPr dirty="0"/>
+              <a:t>Automating email classification</a:t>
+            </a:r>
+            <a:r>
+              <a:rPr lang="en-IN" dirty="0"/>
+              <a:t> for Service Request </a:t>
+            </a:r>
+            <a:r>
+              <a:rPr dirty="0"/>
+              <a:t>in commercial bank</a:t>
+            </a:r>
+            <a:r>
+              <a:rPr lang="en-IN" dirty="0"/>
+              <a:t> </a:t>
+            </a:r>
+            <a:r>
+              <a:rPr lang="en-IN"/>
+              <a:t>lending service</a:t>
+            </a:r>
+            <a:endParaRPr dirty="0"/>
           </a:p>
         </p:txBody>
       </p:sp>
@@ -3213,7 +3181,7 @@
 </file>
 
 <file path=ppt/slides/slide2.xml><?xml version="1.0" encoding="utf-8"?>
-<p:sld xmlns:a="http://schemas.openxmlformats.org/drawingml/2006/main" xmlns:p="http://schemas.openxmlformats.org/presentationml/2006/main" xmlns:r="http://schemas.openxmlformats.org/officeDocument/2006/relationships">
+<p:sld xmlns:a="http://schemas.openxmlformats.org/drawingml/2006/main" xmlns:r="http://schemas.openxmlformats.org/officeDocument/2006/relationships" xmlns:p="http://schemas.openxmlformats.org/presentationml/2006/main">
   <p:cSld>
     <p:spTree>
       <p:nvGrpSpPr>
@@ -3221,7 +3189,14 @@
         <p:cNvGrpSpPr/>
         <p:nvPr/>
       </p:nvGrpSpPr>
-      <p:grpSpPr/>
+      <p:grpSpPr>
+        <a:xfrm>
+          <a:off x="0" y="0"/>
+          <a:ext cx="0" cy="0"/>
+          <a:chOff x="0" y="0"/>
+          <a:chExt cx="0" cy="0"/>
+        </a:xfrm>
+      </p:grpSpPr>
       <p:sp>
         <p:nvSpPr>
           <p:cNvPr id="2" name="Title 1"/>
@@ -3255,37 +3230,49 @@
         </p:nvSpPr>
         <p:spPr/>
         <p:txBody>
-          <a:bodyPr/>
-          <a:lstStyle/>
-          <a:p>
-            <a:r>
+          <a:bodyPr>
+            <a:normAutofit/>
+          </a:bodyPr>
+          <a:lstStyle/>
+          <a:p>
+            <a:r>
+              <a:rPr sz="2000" dirty="0"/>
               <a:t>In commercial banking, loan servicing teams receive thousands of email requests daily. These emails often contain attachments and require manual triage by a gatekeeping team that classifies them, extracts key data, and assigns them to the right teams.</a:t>
             </a:r>
           </a:p>
-          <a:p/>
-          <a:p>
-            <a:r>
+          <a:p>
+            <a:endParaRPr sz="2000" dirty="0"/>
+          </a:p>
+          <a:p>
+            <a:r>
+              <a:rPr sz="2000" dirty="0"/>
               <a:t>Challenges:</a:t>
             </a:r>
           </a:p>
           <a:p>
             <a:r>
+              <a:rPr sz="2000" dirty="0"/>
               <a:t>- ❌ Time-consuming</a:t>
             </a:r>
           </a:p>
           <a:p>
             <a:r>
+              <a:rPr sz="2000" dirty="0"/>
               <a:t>- ❌ Error-prone</a:t>
             </a:r>
           </a:p>
           <a:p>
             <a:r>
+              <a:rPr sz="2000" dirty="0"/>
               <a:t>- ❌ Operationally expensive</a:t>
             </a:r>
           </a:p>
-          <a:p/>
-          <a:p>
-            <a:r>
+          <a:p>
+            <a:endParaRPr sz="2000" dirty="0"/>
+          </a:p>
+          <a:p>
+            <a:r>
+              <a:rPr sz="2000" dirty="0"/>
               <a:t>Our AI-powered solution automates this process using LLMs, embeddings, and OCR.</a:t>
             </a:r>
           </a:p>
@@ -3300,7 +3287,7 @@
 </file>
 
 <file path=ppt/slides/slide3.xml><?xml version="1.0" encoding="utf-8"?>
-<p:sld xmlns:a="http://schemas.openxmlformats.org/drawingml/2006/main" xmlns:p="http://schemas.openxmlformats.org/presentationml/2006/main" xmlns:r="http://schemas.openxmlformats.org/officeDocument/2006/relationships">
+<p:sld xmlns:a="http://schemas.openxmlformats.org/drawingml/2006/main" xmlns:r="http://schemas.openxmlformats.org/officeDocument/2006/relationships" xmlns:p="http://schemas.openxmlformats.org/presentationml/2006/main">
   <p:cSld>
     <p:spTree>
       <p:nvGrpSpPr>
@@ -3308,7 +3295,14 @@
         <p:cNvGrpSpPr/>
         <p:nvPr/>
       </p:nvGrpSpPr>
-      <p:grpSpPr/>
+      <p:grpSpPr>
+        <a:xfrm>
+          <a:off x="0" y="0"/>
+          <a:ext cx="0" cy="0"/>
+          <a:chOff x="0" y="0"/>
+          <a:chExt cx="0" cy="0"/>
+        </a:xfrm>
+      </p:grpSpPr>
       <p:sp>
         <p:nvSpPr>
           <p:cNvPr id="2" name="Title 1"/>
@@ -3342,25 +3336,31 @@
         </p:nvSpPr>
         <p:spPr/>
         <p:txBody>
-          <a:bodyPr/>
-          <a:lstStyle/>
-          <a:p>
-            <a:r>
+          <a:bodyPr>
+            <a:normAutofit/>
+          </a:bodyPr>
+          <a:lstStyle/>
+          <a:p>
+            <a:r>
+              <a:rPr sz="2000" dirty="0"/>
               <a:t>- Manual email processing in banking is inefficient, leading to high operational costs and errors.</a:t>
             </a:r>
           </a:p>
           <a:p>
             <a:r>
+              <a:rPr sz="2000" dirty="0"/>
               <a:t>- Generative AI models (LLMs) can understand unstructured text, making them ideal for automating classification.</a:t>
             </a:r>
           </a:p>
           <a:p>
             <a:r>
+              <a:rPr sz="2000" dirty="0"/>
               <a:t>- OCR &amp; Embeddings enable processing PDFs, images, and detecting duplicate emails effectively.</a:t>
             </a:r>
           </a:p>
           <a:p>
             <a:r>
+              <a:rPr sz="2000" dirty="0"/>
               <a:t>- AI-driven automation in financial services inspired us to build a scalable, explainable, and efficient solution.</a:t>
             </a:r>
           </a:p>
@@ -3375,7 +3375,7 @@
 </file>
 
 <file path=ppt/slides/slide4.xml><?xml version="1.0" encoding="utf-8"?>
-<p:sld xmlns:a="http://schemas.openxmlformats.org/drawingml/2006/main" xmlns:p="http://schemas.openxmlformats.org/presentationml/2006/main" xmlns:r="http://schemas.openxmlformats.org/officeDocument/2006/relationships">
+<p:sld xmlns:a="http://schemas.openxmlformats.org/drawingml/2006/main" xmlns:r="http://schemas.openxmlformats.org/officeDocument/2006/relationships" xmlns:p="http://schemas.openxmlformats.org/presentationml/2006/main">
   <p:cSld>
     <p:spTree>
       <p:nvGrpSpPr>
@@ -3383,7 +3383,14 @@
         <p:cNvGrpSpPr/>
         <p:nvPr/>
       </p:nvGrpSpPr>
-      <p:grpSpPr/>
+      <p:grpSpPr>
+        <a:xfrm>
+          <a:off x="0" y="0"/>
+          <a:ext cx="0" cy="0"/>
+          <a:chOff x="0" y="0"/>
+          <a:chExt cx="0" cy="0"/>
+        </a:xfrm>
+      </p:grpSpPr>
       <p:sp>
         <p:nvSpPr>
           <p:cNvPr id="2" name="Title 1"/>
@@ -3400,47 +3407,1076 @@
           <a:lstStyle/>
           <a:p>
             <a:r>
-              <a:t>Data Source</a:t>
-            </a:r>
-          </a:p>
-        </p:txBody>
-      </p:sp>
-      <p:sp>
-        <p:nvSpPr>
-          <p:cNvPr id="3" name="Content Placeholder 2"/>
-          <p:cNvSpPr>
-            <a:spLocks noGrp="1"/>
-          </p:cNvSpPr>
-          <p:nvPr>
-            <p:ph idx="1"/>
-          </p:nvPr>
-        </p:nvSpPr>
-        <p:spPr/>
-        <p:txBody>
-          <a:bodyPr/>
-          <a:lstStyle/>
-          <a:p>
-            <a:r>
-              <a:t>- **Emails:** `.eml` files stored in a directory.</a:t>
-            </a:r>
-          </a:p>
-          <a:p>
-            <a:r>
-              <a:t>- **Attachments:** PDFs, DOCX, images (JPEG, PNG), and nested `.eml` files.</a:t>
-            </a:r>
-          </a:p>
-          <a:p>
-            <a:r>
-              <a:t>- **Classification Data:** Predefined request types and sub-request types from banking workflows.</a:t>
-            </a:r>
-          </a:p>
-          <a:p>
-            <a:r>
-              <a:t>- **Vector Storage:** ChromaDB for similarity search on embeddings.</a:t>
-            </a:r>
-          </a:p>
-        </p:txBody>
-      </p:sp>
+              <a:rPr dirty="0"/>
+              <a:t>Design &amp; Architecture</a:t>
+            </a:r>
+          </a:p>
+        </p:txBody>
+      </p:sp>
+      <p:pic>
+        <p:nvPicPr>
+          <p:cNvPr id="6" name="Graphic 5" descr="Computer with solid fill">
+            <a:extLst>
+              <a:ext uri="{FF2B5EF4-FFF2-40B4-BE49-F238E27FC236}">
+                <a16:creationId xmlns:a16="http://schemas.microsoft.com/office/drawing/2014/main" id="{6A22AE75-66EE-C37A-3F85-892D174F552E}"/>
+              </a:ext>
+            </a:extLst>
+          </p:cNvPr>
+          <p:cNvPicPr>
+            <a:picLocks noChangeAspect="1"/>
+          </p:cNvPicPr>
+          <p:nvPr/>
+        </p:nvPicPr>
+        <p:blipFill>
+          <a:blip r:embed="rId2">
+            <a:extLst>
+              <a:ext uri="{96DAC541-7B7A-43D3-8B79-37D633B846F1}">
+                <asvg:svgBlip xmlns:asvg="http://schemas.microsoft.com/office/drawing/2016/SVG/main" r:embed="rId3"/>
+              </a:ext>
+            </a:extLst>
+          </a:blip>
+          <a:stretch>
+            <a:fillRect/>
+          </a:stretch>
+        </p:blipFill>
+        <p:spPr>
+          <a:xfrm>
+            <a:off x="1038043" y="3138581"/>
+            <a:ext cx="914400" cy="914400"/>
+          </a:xfrm>
+          <a:prstGeom prst="rect">
+            <a:avLst/>
+          </a:prstGeom>
+        </p:spPr>
+      </p:pic>
+      <p:sp>
+        <p:nvSpPr>
+          <p:cNvPr id="7" name="TextBox 6">
+            <a:extLst>
+              <a:ext uri="{FF2B5EF4-FFF2-40B4-BE49-F238E27FC236}">
+                <a16:creationId xmlns:a16="http://schemas.microsoft.com/office/drawing/2014/main" id="{BF5A6754-C4A0-9983-A0DA-EEEFE4101CAF}"/>
+              </a:ext>
+            </a:extLst>
+          </p:cNvPr>
+          <p:cNvSpPr txBox="1"/>
+          <p:nvPr/>
+        </p:nvSpPr>
+        <p:spPr>
+          <a:xfrm>
+            <a:off x="939328" y="3863078"/>
+            <a:ext cx="893794" cy="276999"/>
+          </a:xfrm>
+          <a:prstGeom prst="rect">
+            <a:avLst/>
+          </a:prstGeom>
+          <a:noFill/>
+        </p:spPr>
+        <p:txBody>
+          <a:bodyPr wrap="square" rtlCol="0">
+            <a:spAutoFit/>
+          </a:bodyPr>
+          <a:lstStyle/>
+          <a:p>
+            <a:r>
+              <a:rPr lang="en-IN" sz="1200" dirty="0"/>
+              <a:t>UI (</a:t>
+            </a:r>
+            <a:r>
+              <a:rPr lang="en-IN" sz="1200" dirty="0" err="1"/>
+              <a:t>Gradio</a:t>
+            </a:r>
+            <a:r>
+              <a:rPr lang="en-IN" sz="1200" dirty="0"/>
+              <a:t>)</a:t>
+            </a:r>
+          </a:p>
+        </p:txBody>
+      </p:sp>
+      <p:sp>
+        <p:nvSpPr>
+          <p:cNvPr id="20" name="Rectangle 19">
+            <a:extLst>
+              <a:ext uri="{FF2B5EF4-FFF2-40B4-BE49-F238E27FC236}">
+                <a16:creationId xmlns:a16="http://schemas.microsoft.com/office/drawing/2014/main" id="{B3B09162-7B62-5807-0B94-8BC624B1523B}"/>
+              </a:ext>
+            </a:extLst>
+          </p:cNvPr>
+          <p:cNvSpPr/>
+          <p:nvPr/>
+        </p:nvSpPr>
+        <p:spPr>
+          <a:xfrm>
+            <a:off x="3654249" y="1325592"/>
+            <a:ext cx="4911781" cy="4862420"/>
+          </a:xfrm>
+          <a:prstGeom prst="rect">
+            <a:avLst/>
+          </a:prstGeom>
+          <a:solidFill>
+            <a:schemeClr val="bg1"/>
+          </a:solidFill>
+        </p:spPr>
+        <p:style>
+          <a:lnRef idx="1">
+            <a:schemeClr val="accent1"/>
+          </a:lnRef>
+          <a:fillRef idx="3">
+            <a:schemeClr val="accent1"/>
+          </a:fillRef>
+          <a:effectRef idx="2">
+            <a:schemeClr val="accent1"/>
+          </a:effectRef>
+          <a:fontRef idx="minor">
+            <a:schemeClr val="lt1"/>
+          </a:fontRef>
+        </p:style>
+        <p:txBody>
+          <a:bodyPr rtlCol="0" anchor="ctr"/>
+          <a:lstStyle/>
+          <a:p>
+            <a:pPr algn="ctr"/>
+            <a:endParaRPr lang="en-IN"/>
+          </a:p>
+        </p:txBody>
+      </p:sp>
+      <p:pic>
+        <p:nvPicPr>
+          <p:cNvPr id="21" name="Graphic 20" descr="Drama with solid fill">
+            <a:extLst>
+              <a:ext uri="{FF2B5EF4-FFF2-40B4-BE49-F238E27FC236}">
+                <a16:creationId xmlns:a16="http://schemas.microsoft.com/office/drawing/2014/main" id="{C5F5DFF0-68E7-FB44-3004-33D108D79816}"/>
+              </a:ext>
+            </a:extLst>
+          </p:cNvPr>
+          <p:cNvPicPr>
+            <a:picLocks noChangeAspect="1"/>
+          </p:cNvPicPr>
+          <p:nvPr/>
+        </p:nvPicPr>
+        <p:blipFill>
+          <a:blip r:embed="rId4">
+            <a:extLst>
+              <a:ext uri="{96DAC541-7B7A-43D3-8B79-37D633B846F1}">
+                <asvg:svgBlip xmlns:asvg="http://schemas.microsoft.com/office/drawing/2016/SVG/main" r:embed="rId5"/>
+              </a:ext>
+            </a:extLst>
+          </a:blip>
+          <a:stretch>
+            <a:fillRect/>
+          </a:stretch>
+        </p:blipFill>
+        <p:spPr>
+          <a:xfrm>
+            <a:off x="5083834" y="2713023"/>
+            <a:ext cx="914400" cy="914400"/>
+          </a:xfrm>
+          <a:prstGeom prst="rect">
+            <a:avLst/>
+          </a:prstGeom>
+        </p:spPr>
+      </p:pic>
+      <p:pic>
+        <p:nvPicPr>
+          <p:cNvPr id="3" name="Graphic 2" descr="Database with solid fill">
+            <a:extLst>
+              <a:ext uri="{FF2B5EF4-FFF2-40B4-BE49-F238E27FC236}">
+                <a16:creationId xmlns:a16="http://schemas.microsoft.com/office/drawing/2014/main" id="{CC66C350-8709-8253-C149-6D0561ECBE28}"/>
+              </a:ext>
+            </a:extLst>
+          </p:cNvPr>
+          <p:cNvPicPr>
+            <a:picLocks noChangeAspect="1"/>
+          </p:cNvPicPr>
+          <p:nvPr/>
+        </p:nvPicPr>
+        <p:blipFill>
+          <a:blip r:embed="rId6">
+            <a:extLst>
+              <a:ext uri="{96DAC541-7B7A-43D3-8B79-37D633B846F1}">
+                <asvg:svgBlip xmlns:asvg="http://schemas.microsoft.com/office/drawing/2016/SVG/main" r:embed="rId7"/>
+              </a:ext>
+            </a:extLst>
+          </a:blip>
+          <a:stretch>
+            <a:fillRect/>
+          </a:stretch>
+        </p:blipFill>
+        <p:spPr>
+          <a:xfrm>
+            <a:off x="6970619" y="2851030"/>
+            <a:ext cx="914400" cy="914400"/>
+          </a:xfrm>
+          <a:prstGeom prst="rect">
+            <a:avLst/>
+          </a:prstGeom>
+        </p:spPr>
+      </p:pic>
+      <p:pic>
+        <p:nvPicPr>
+          <p:cNvPr id="4" name="Graphic 3" descr="Atom with solid fill">
+            <a:extLst>
+              <a:ext uri="{FF2B5EF4-FFF2-40B4-BE49-F238E27FC236}">
+                <a16:creationId xmlns:a16="http://schemas.microsoft.com/office/drawing/2014/main" id="{2DBF0BF7-39A0-32A3-8585-1B6A0AC6BB1E}"/>
+              </a:ext>
+            </a:extLst>
+          </p:cNvPr>
+          <p:cNvPicPr>
+            <a:picLocks noChangeAspect="1"/>
+          </p:cNvPicPr>
+          <p:nvPr/>
+        </p:nvPicPr>
+        <p:blipFill>
+          <a:blip r:embed="rId8">
+            <a:extLst>
+              <a:ext uri="{96DAC541-7B7A-43D3-8B79-37D633B846F1}">
+                <asvg:svgBlip xmlns:asvg="http://schemas.microsoft.com/office/drawing/2016/SVG/main" r:embed="rId9"/>
+              </a:ext>
+            </a:extLst>
+          </a:blip>
+          <a:stretch>
+            <a:fillRect/>
+          </a:stretch>
+        </p:blipFill>
+        <p:spPr>
+          <a:xfrm>
+            <a:off x="6970619" y="4455544"/>
+            <a:ext cx="914400" cy="914400"/>
+          </a:xfrm>
+          <a:prstGeom prst="rect">
+            <a:avLst/>
+          </a:prstGeom>
+        </p:spPr>
+      </p:pic>
+      <p:pic>
+        <p:nvPicPr>
+          <p:cNvPr id="5" name="Graphic 4" descr="Email with solid fill">
+            <a:extLst>
+              <a:ext uri="{FF2B5EF4-FFF2-40B4-BE49-F238E27FC236}">
+                <a16:creationId xmlns:a16="http://schemas.microsoft.com/office/drawing/2014/main" id="{60100063-89ED-5476-19F6-9C7F59463544}"/>
+              </a:ext>
+            </a:extLst>
+          </p:cNvPr>
+          <p:cNvPicPr>
+            <a:picLocks noChangeAspect="1"/>
+          </p:cNvPicPr>
+          <p:nvPr/>
+        </p:nvPicPr>
+        <p:blipFill>
+          <a:blip r:embed="rId10">
+            <a:extLst>
+              <a:ext uri="{96DAC541-7B7A-43D3-8B79-37D633B846F1}">
+                <asvg:svgBlip xmlns:asvg="http://schemas.microsoft.com/office/drawing/2016/SVG/main" r:embed="rId11"/>
+              </a:ext>
+            </a:extLst>
+          </a:blip>
+          <a:stretch>
+            <a:fillRect/>
+          </a:stretch>
+        </p:blipFill>
+        <p:spPr>
+          <a:xfrm>
+            <a:off x="5083834" y="1434860"/>
+            <a:ext cx="914400" cy="914400"/>
+          </a:xfrm>
+          <a:prstGeom prst="rect">
+            <a:avLst/>
+          </a:prstGeom>
+        </p:spPr>
+      </p:pic>
+      <p:pic>
+        <p:nvPicPr>
+          <p:cNvPr id="8" name="Graphic 7" descr="Envelope with solid fill">
+            <a:extLst>
+              <a:ext uri="{FF2B5EF4-FFF2-40B4-BE49-F238E27FC236}">
+                <a16:creationId xmlns:a16="http://schemas.microsoft.com/office/drawing/2014/main" id="{E4F39DC2-CE7C-C6D5-1917-85BA7531DEEE}"/>
+              </a:ext>
+            </a:extLst>
+          </p:cNvPr>
+          <p:cNvPicPr>
+            <a:picLocks noChangeAspect="1"/>
+          </p:cNvPicPr>
+          <p:nvPr/>
+        </p:nvPicPr>
+        <p:blipFill>
+          <a:blip r:embed="rId12">
+            <a:extLst>
+              <a:ext uri="{96DAC541-7B7A-43D3-8B79-37D633B846F1}">
+                <asvg:svgBlip xmlns:asvg="http://schemas.microsoft.com/office/drawing/2016/SVG/main" r:embed="rId13"/>
+              </a:ext>
+            </a:extLst>
+          </a:blip>
+          <a:stretch>
+            <a:fillRect/>
+          </a:stretch>
+        </p:blipFill>
+        <p:spPr>
+          <a:xfrm>
+            <a:off x="5083834" y="3929839"/>
+            <a:ext cx="914400" cy="914400"/>
+          </a:xfrm>
+          <a:prstGeom prst="rect">
+            <a:avLst/>
+          </a:prstGeom>
+        </p:spPr>
+      </p:pic>
+      <p:pic>
+        <p:nvPicPr>
+          <p:cNvPr id="10" name="Graphic 9" descr="Employee badge with solid fill">
+            <a:extLst>
+              <a:ext uri="{FF2B5EF4-FFF2-40B4-BE49-F238E27FC236}">
+                <a16:creationId xmlns:a16="http://schemas.microsoft.com/office/drawing/2014/main" id="{EE684999-4F22-DEB2-7203-38BEBAF23371}"/>
+              </a:ext>
+            </a:extLst>
+          </p:cNvPr>
+          <p:cNvPicPr>
+            <a:picLocks noChangeAspect="1"/>
+          </p:cNvPicPr>
+          <p:nvPr/>
+        </p:nvPicPr>
+        <p:blipFill>
+          <a:blip r:embed="rId14">
+            <a:extLst>
+              <a:ext uri="{96DAC541-7B7A-43D3-8B79-37D633B846F1}">
+                <asvg:svgBlip xmlns:asvg="http://schemas.microsoft.com/office/drawing/2016/SVG/main" r:embed="rId15"/>
+              </a:ext>
+            </a:extLst>
+          </a:blip>
+          <a:stretch>
+            <a:fillRect/>
+          </a:stretch>
+        </p:blipFill>
+        <p:spPr>
+          <a:xfrm>
+            <a:off x="5083834" y="4965940"/>
+            <a:ext cx="914400" cy="914400"/>
+          </a:xfrm>
+          <a:prstGeom prst="rect">
+            <a:avLst/>
+          </a:prstGeom>
+        </p:spPr>
+      </p:pic>
+      <p:sp>
+        <p:nvSpPr>
+          <p:cNvPr id="12" name="TextBox 11">
+            <a:extLst>
+              <a:ext uri="{FF2B5EF4-FFF2-40B4-BE49-F238E27FC236}">
+                <a16:creationId xmlns:a16="http://schemas.microsoft.com/office/drawing/2014/main" id="{B29FB475-6851-D531-BFE1-CC7262AC1778}"/>
+              </a:ext>
+            </a:extLst>
+          </p:cNvPr>
+          <p:cNvSpPr txBox="1"/>
+          <p:nvPr/>
+        </p:nvSpPr>
+        <p:spPr>
+          <a:xfrm>
+            <a:off x="4997094" y="2317167"/>
+            <a:ext cx="1173668" cy="276999"/>
+          </a:xfrm>
+          <a:prstGeom prst="rect">
+            <a:avLst/>
+          </a:prstGeom>
+          <a:noFill/>
+        </p:spPr>
+        <p:txBody>
+          <a:bodyPr wrap="square" rtlCol="0">
+            <a:spAutoFit/>
+          </a:bodyPr>
+          <a:lstStyle/>
+          <a:p>
+            <a:r>
+              <a:rPr lang="en-IN" sz="1200" dirty="0"/>
+              <a:t>E-mail Extractor</a:t>
+            </a:r>
+          </a:p>
+        </p:txBody>
+      </p:sp>
+      <p:sp>
+        <p:nvSpPr>
+          <p:cNvPr id="14" name="TextBox 13">
+            <a:extLst>
+              <a:ext uri="{FF2B5EF4-FFF2-40B4-BE49-F238E27FC236}">
+                <a16:creationId xmlns:a16="http://schemas.microsoft.com/office/drawing/2014/main" id="{FEE29373-CFF1-F647-45BA-58A140E9CDF3}"/>
+              </a:ext>
+            </a:extLst>
+          </p:cNvPr>
+          <p:cNvSpPr txBox="1"/>
+          <p:nvPr/>
+        </p:nvSpPr>
+        <p:spPr>
+          <a:xfrm>
+            <a:off x="4997094" y="3529448"/>
+            <a:ext cx="1311215" cy="461665"/>
+          </a:xfrm>
+          <a:prstGeom prst="rect">
+            <a:avLst/>
+          </a:prstGeom>
+          <a:noFill/>
+        </p:spPr>
+        <p:txBody>
+          <a:bodyPr wrap="square" rtlCol="0">
+            <a:spAutoFit/>
+          </a:bodyPr>
+          <a:lstStyle/>
+          <a:p>
+            <a:r>
+              <a:rPr lang="en-IN" sz="1200" dirty="0"/>
+              <a:t>Duplicate e-mail detector</a:t>
+            </a:r>
+          </a:p>
+        </p:txBody>
+      </p:sp>
+      <p:sp>
+        <p:nvSpPr>
+          <p:cNvPr id="16" name="TextBox 15">
+            <a:extLst>
+              <a:ext uri="{FF2B5EF4-FFF2-40B4-BE49-F238E27FC236}">
+                <a16:creationId xmlns:a16="http://schemas.microsoft.com/office/drawing/2014/main" id="{783F7FD1-0425-0DD0-80B2-5874964C8A77}"/>
+              </a:ext>
+            </a:extLst>
+          </p:cNvPr>
+          <p:cNvSpPr txBox="1"/>
+          <p:nvPr/>
+        </p:nvSpPr>
+        <p:spPr>
+          <a:xfrm>
+            <a:off x="4997093" y="4628090"/>
+            <a:ext cx="1449715" cy="276999"/>
+          </a:xfrm>
+          <a:prstGeom prst="rect">
+            <a:avLst/>
+          </a:prstGeom>
+          <a:noFill/>
+        </p:spPr>
+        <p:txBody>
+          <a:bodyPr wrap="square" rtlCol="0">
+            <a:spAutoFit/>
+          </a:bodyPr>
+          <a:lstStyle/>
+          <a:p>
+            <a:r>
+              <a:rPr lang="en-IN" sz="1200" dirty="0"/>
+              <a:t>E-mail Classification</a:t>
+            </a:r>
+          </a:p>
+        </p:txBody>
+      </p:sp>
+      <p:sp>
+        <p:nvSpPr>
+          <p:cNvPr id="18" name="TextBox 17">
+            <a:extLst>
+              <a:ext uri="{FF2B5EF4-FFF2-40B4-BE49-F238E27FC236}">
+                <a16:creationId xmlns:a16="http://schemas.microsoft.com/office/drawing/2014/main" id="{5161375F-729A-47A3-6FCD-343FA1FC03BA}"/>
+              </a:ext>
+            </a:extLst>
+          </p:cNvPr>
+          <p:cNvSpPr txBox="1"/>
+          <p:nvPr/>
+        </p:nvSpPr>
+        <p:spPr>
+          <a:xfrm>
+            <a:off x="5002844" y="5738985"/>
+            <a:ext cx="1397955" cy="276999"/>
+          </a:xfrm>
+          <a:prstGeom prst="rect">
+            <a:avLst/>
+          </a:prstGeom>
+          <a:noFill/>
+        </p:spPr>
+        <p:txBody>
+          <a:bodyPr wrap="square" rtlCol="0">
+            <a:spAutoFit/>
+          </a:bodyPr>
+          <a:lstStyle/>
+          <a:p>
+            <a:r>
+              <a:rPr lang="en-IN" sz="1200" dirty="0"/>
+              <a:t>Metadata Extractor</a:t>
+            </a:r>
+          </a:p>
+        </p:txBody>
+      </p:sp>
+      <p:cxnSp>
+        <p:nvCxnSpPr>
+          <p:cNvPr id="22" name="Straight Arrow Connector 21">
+            <a:extLst>
+              <a:ext uri="{FF2B5EF4-FFF2-40B4-BE49-F238E27FC236}">
+                <a16:creationId xmlns:a16="http://schemas.microsoft.com/office/drawing/2014/main" id="{4355B267-907F-48C8-7126-3299D468AEE5}"/>
+              </a:ext>
+            </a:extLst>
+          </p:cNvPr>
+          <p:cNvCxnSpPr>
+            <a:cxnSpLocks/>
+          </p:cNvCxnSpPr>
+          <p:nvPr/>
+        </p:nvCxnSpPr>
+        <p:spPr>
+          <a:xfrm>
+            <a:off x="1952443" y="3429000"/>
+            <a:ext cx="1701806" cy="0"/>
+          </a:xfrm>
+          <a:prstGeom prst="straightConnector1">
+            <a:avLst/>
+          </a:prstGeom>
+          <a:ln>
+            <a:tailEnd type="triangle"/>
+          </a:ln>
+        </p:spPr>
+        <p:style>
+          <a:lnRef idx="2">
+            <a:schemeClr val="accent1"/>
+          </a:lnRef>
+          <a:fillRef idx="0">
+            <a:schemeClr val="accent1"/>
+          </a:fillRef>
+          <a:effectRef idx="1">
+            <a:schemeClr val="accent1"/>
+          </a:effectRef>
+          <a:fontRef idx="minor">
+            <a:schemeClr val="tx1"/>
+          </a:fontRef>
+        </p:style>
+      </p:cxnSp>
+      <p:cxnSp>
+        <p:nvCxnSpPr>
+          <p:cNvPr id="27" name="Straight Arrow Connector 26">
+            <a:extLst>
+              <a:ext uri="{FF2B5EF4-FFF2-40B4-BE49-F238E27FC236}">
+                <a16:creationId xmlns:a16="http://schemas.microsoft.com/office/drawing/2014/main" id="{F351BB10-EADF-22E2-344F-B7C63309BBEE}"/>
+              </a:ext>
+            </a:extLst>
+          </p:cNvPr>
+          <p:cNvCxnSpPr>
+            <a:cxnSpLocks/>
+            <a:stCxn id="20" idx="1"/>
+          </p:cNvCxnSpPr>
+          <p:nvPr/>
+        </p:nvCxnSpPr>
+        <p:spPr>
+          <a:xfrm flipH="1">
+            <a:off x="1952443" y="3756802"/>
+            <a:ext cx="1701806" cy="8628"/>
+          </a:xfrm>
+          <a:prstGeom prst="straightConnector1">
+            <a:avLst/>
+          </a:prstGeom>
+          <a:ln>
+            <a:tailEnd type="triangle"/>
+          </a:ln>
+        </p:spPr>
+        <p:style>
+          <a:lnRef idx="2">
+            <a:schemeClr val="accent1"/>
+          </a:lnRef>
+          <a:fillRef idx="0">
+            <a:schemeClr val="accent1"/>
+          </a:fillRef>
+          <a:effectRef idx="1">
+            <a:schemeClr val="accent1"/>
+          </a:effectRef>
+          <a:fontRef idx="minor">
+            <a:schemeClr val="tx1"/>
+          </a:fontRef>
+        </p:style>
+      </p:cxnSp>
+      <p:sp>
+        <p:nvSpPr>
+          <p:cNvPr id="31" name="TextBox 30">
+            <a:extLst>
+              <a:ext uri="{FF2B5EF4-FFF2-40B4-BE49-F238E27FC236}">
+                <a16:creationId xmlns:a16="http://schemas.microsoft.com/office/drawing/2014/main" id="{009AA382-A974-CC44-1266-97564C9450A3}"/>
+              </a:ext>
+            </a:extLst>
+          </p:cNvPr>
+          <p:cNvSpPr txBox="1"/>
+          <p:nvPr/>
+        </p:nvSpPr>
+        <p:spPr>
+          <a:xfrm>
+            <a:off x="2062673" y="3143881"/>
+            <a:ext cx="1428150" cy="276999"/>
+          </a:xfrm>
+          <a:prstGeom prst="rect">
+            <a:avLst/>
+          </a:prstGeom>
+          <a:noFill/>
+        </p:spPr>
+        <p:txBody>
+          <a:bodyPr wrap="square" rtlCol="0">
+            <a:spAutoFit/>
+          </a:bodyPr>
+          <a:lstStyle/>
+          <a:p>
+            <a:r>
+              <a:rPr lang="en-IN" sz="1200" dirty="0"/>
+              <a:t>Classify e-mails Api</a:t>
+            </a:r>
+          </a:p>
+        </p:txBody>
+      </p:sp>
+      <p:sp>
+        <p:nvSpPr>
+          <p:cNvPr id="32" name="TextBox 31">
+            <a:extLst>
+              <a:ext uri="{FF2B5EF4-FFF2-40B4-BE49-F238E27FC236}">
+                <a16:creationId xmlns:a16="http://schemas.microsoft.com/office/drawing/2014/main" id="{8824BEBA-2E7D-C892-54FC-DAF2C0981B6F}"/>
+              </a:ext>
+            </a:extLst>
+          </p:cNvPr>
+          <p:cNvSpPr txBox="1"/>
+          <p:nvPr/>
+        </p:nvSpPr>
+        <p:spPr>
+          <a:xfrm>
+            <a:off x="2051158" y="3724578"/>
+            <a:ext cx="1468406" cy="276999"/>
+          </a:xfrm>
+          <a:prstGeom prst="rect">
+            <a:avLst/>
+          </a:prstGeom>
+          <a:noFill/>
+        </p:spPr>
+        <p:txBody>
+          <a:bodyPr wrap="square" rtlCol="0">
+            <a:spAutoFit/>
+          </a:bodyPr>
+          <a:lstStyle/>
+          <a:p>
+            <a:r>
+              <a:rPr lang="en-IN" sz="1200" dirty="0"/>
+              <a:t>Classification Details</a:t>
+            </a:r>
+          </a:p>
+        </p:txBody>
+      </p:sp>
+      <p:cxnSp>
+        <p:nvCxnSpPr>
+          <p:cNvPr id="34" name="Straight Arrow Connector 33">
+            <a:extLst>
+              <a:ext uri="{FF2B5EF4-FFF2-40B4-BE49-F238E27FC236}">
+                <a16:creationId xmlns:a16="http://schemas.microsoft.com/office/drawing/2014/main" id="{C6BA7E96-7B9F-A8EE-836F-119C232DDFB9}"/>
+              </a:ext>
+            </a:extLst>
+          </p:cNvPr>
+          <p:cNvCxnSpPr>
+            <a:cxnSpLocks/>
+          </p:cNvCxnSpPr>
+          <p:nvPr/>
+        </p:nvCxnSpPr>
+        <p:spPr>
+          <a:xfrm flipV="1">
+            <a:off x="3654249" y="2093343"/>
+            <a:ext cx="1498596" cy="1327537"/>
+          </a:xfrm>
+          <a:prstGeom prst="straightConnector1">
+            <a:avLst/>
+          </a:prstGeom>
+          <a:ln>
+            <a:tailEnd type="triangle"/>
+          </a:ln>
+        </p:spPr>
+        <p:style>
+          <a:lnRef idx="2">
+            <a:schemeClr val="accent1"/>
+          </a:lnRef>
+          <a:fillRef idx="0">
+            <a:schemeClr val="accent1"/>
+          </a:fillRef>
+          <a:effectRef idx="1">
+            <a:schemeClr val="accent1"/>
+          </a:effectRef>
+          <a:fontRef idx="minor">
+            <a:schemeClr val="tx1"/>
+          </a:fontRef>
+        </p:style>
+      </p:cxnSp>
+      <p:cxnSp>
+        <p:nvCxnSpPr>
+          <p:cNvPr id="39" name="Straight Arrow Connector 38">
+            <a:extLst>
+              <a:ext uri="{FF2B5EF4-FFF2-40B4-BE49-F238E27FC236}">
+                <a16:creationId xmlns:a16="http://schemas.microsoft.com/office/drawing/2014/main" id="{B42DB9E8-0DAF-6E28-CAB3-385779FA16F8}"/>
+              </a:ext>
+            </a:extLst>
+          </p:cNvPr>
+          <p:cNvCxnSpPr>
+            <a:cxnSpLocks/>
+          </p:cNvCxnSpPr>
+          <p:nvPr/>
+        </p:nvCxnSpPr>
+        <p:spPr>
+          <a:xfrm>
+            <a:off x="3654249" y="3428999"/>
+            <a:ext cx="1498596" cy="855454"/>
+          </a:xfrm>
+          <a:prstGeom prst="straightConnector1">
+            <a:avLst/>
+          </a:prstGeom>
+          <a:ln>
+            <a:tailEnd type="triangle"/>
+          </a:ln>
+        </p:spPr>
+        <p:style>
+          <a:lnRef idx="2">
+            <a:schemeClr val="accent1"/>
+          </a:lnRef>
+          <a:fillRef idx="0">
+            <a:schemeClr val="accent1"/>
+          </a:fillRef>
+          <a:effectRef idx="1">
+            <a:schemeClr val="accent1"/>
+          </a:effectRef>
+          <a:fontRef idx="minor">
+            <a:schemeClr val="tx1"/>
+          </a:fontRef>
+        </p:style>
+      </p:cxnSp>
+      <p:cxnSp>
+        <p:nvCxnSpPr>
+          <p:cNvPr id="40" name="Straight Arrow Connector 39">
+            <a:extLst>
+              <a:ext uri="{FF2B5EF4-FFF2-40B4-BE49-F238E27FC236}">
+                <a16:creationId xmlns:a16="http://schemas.microsoft.com/office/drawing/2014/main" id="{85760265-85F3-64F0-09D4-257530F57B1F}"/>
+              </a:ext>
+            </a:extLst>
+          </p:cNvPr>
+          <p:cNvCxnSpPr>
+            <a:cxnSpLocks/>
+          </p:cNvCxnSpPr>
+          <p:nvPr/>
+        </p:nvCxnSpPr>
+        <p:spPr>
+          <a:xfrm flipV="1">
+            <a:off x="3668864" y="3352800"/>
+            <a:ext cx="1483981" cy="84321"/>
+          </a:xfrm>
+          <a:prstGeom prst="straightConnector1">
+            <a:avLst/>
+          </a:prstGeom>
+          <a:ln>
+            <a:tailEnd type="triangle"/>
+          </a:ln>
+        </p:spPr>
+        <p:style>
+          <a:lnRef idx="2">
+            <a:schemeClr val="accent1"/>
+          </a:lnRef>
+          <a:fillRef idx="0">
+            <a:schemeClr val="accent1"/>
+          </a:fillRef>
+          <a:effectRef idx="1">
+            <a:schemeClr val="accent1"/>
+          </a:effectRef>
+          <a:fontRef idx="minor">
+            <a:schemeClr val="tx1"/>
+          </a:fontRef>
+        </p:style>
+      </p:cxnSp>
+      <p:cxnSp>
+        <p:nvCxnSpPr>
+          <p:cNvPr id="45" name="Straight Arrow Connector 44">
+            <a:extLst>
+              <a:ext uri="{FF2B5EF4-FFF2-40B4-BE49-F238E27FC236}">
+                <a16:creationId xmlns:a16="http://schemas.microsoft.com/office/drawing/2014/main" id="{442C970D-2EE9-E438-76CF-6D8A034B534C}"/>
+              </a:ext>
+            </a:extLst>
+          </p:cNvPr>
+          <p:cNvCxnSpPr>
+            <a:cxnSpLocks/>
+          </p:cNvCxnSpPr>
+          <p:nvPr/>
+        </p:nvCxnSpPr>
+        <p:spPr>
+          <a:xfrm>
+            <a:off x="3654249" y="3437121"/>
+            <a:ext cx="1495243" cy="2095287"/>
+          </a:xfrm>
+          <a:prstGeom prst="straightConnector1">
+            <a:avLst/>
+          </a:prstGeom>
+          <a:ln>
+            <a:tailEnd type="triangle"/>
+          </a:ln>
+        </p:spPr>
+        <p:style>
+          <a:lnRef idx="2">
+            <a:schemeClr val="accent1"/>
+          </a:lnRef>
+          <a:fillRef idx="0">
+            <a:schemeClr val="accent1"/>
+          </a:fillRef>
+          <a:effectRef idx="1">
+            <a:schemeClr val="accent1"/>
+          </a:effectRef>
+          <a:fontRef idx="minor">
+            <a:schemeClr val="tx1"/>
+          </a:fontRef>
+        </p:style>
+      </p:cxnSp>
+      <p:sp>
+        <p:nvSpPr>
+          <p:cNvPr id="48" name="TextBox 47">
+            <a:extLst>
+              <a:ext uri="{FF2B5EF4-FFF2-40B4-BE49-F238E27FC236}">
+                <a16:creationId xmlns:a16="http://schemas.microsoft.com/office/drawing/2014/main" id="{F48941B7-E73A-8433-CC75-FBA6B0EB0B40}"/>
+              </a:ext>
+            </a:extLst>
+          </p:cNvPr>
+          <p:cNvSpPr txBox="1"/>
+          <p:nvPr/>
+        </p:nvSpPr>
+        <p:spPr>
+          <a:xfrm>
+            <a:off x="4401870" y="2216922"/>
+            <a:ext cx="162455" cy="369332"/>
+          </a:xfrm>
+          <a:prstGeom prst="rect">
+            <a:avLst/>
+          </a:prstGeom>
+          <a:noFill/>
+        </p:spPr>
+        <p:txBody>
+          <a:bodyPr wrap="square" rtlCol="0">
+            <a:spAutoFit/>
+          </a:bodyPr>
+          <a:lstStyle/>
+          <a:p>
+            <a:r>
+              <a:rPr lang="en-IN" dirty="0"/>
+              <a:t>1</a:t>
+            </a:r>
+          </a:p>
+        </p:txBody>
+      </p:sp>
+      <p:sp>
+        <p:nvSpPr>
+          <p:cNvPr id="50" name="TextBox 49">
+            <a:extLst>
+              <a:ext uri="{FF2B5EF4-FFF2-40B4-BE49-F238E27FC236}">
+                <a16:creationId xmlns:a16="http://schemas.microsoft.com/office/drawing/2014/main" id="{E8F68740-BEED-189B-4CEC-7EA5DB5436F9}"/>
+              </a:ext>
+            </a:extLst>
+          </p:cNvPr>
+          <p:cNvSpPr txBox="1"/>
+          <p:nvPr/>
+        </p:nvSpPr>
+        <p:spPr>
+          <a:xfrm>
+            <a:off x="4463208" y="3032005"/>
+            <a:ext cx="162455" cy="369332"/>
+          </a:xfrm>
+          <a:prstGeom prst="rect">
+            <a:avLst/>
+          </a:prstGeom>
+          <a:noFill/>
+        </p:spPr>
+        <p:txBody>
+          <a:bodyPr wrap="square" rtlCol="0">
+            <a:spAutoFit/>
+          </a:bodyPr>
+          <a:lstStyle/>
+          <a:p>
+            <a:r>
+              <a:rPr lang="en-IN" dirty="0"/>
+              <a:t>2</a:t>
+            </a:r>
+          </a:p>
+        </p:txBody>
+      </p:sp>
+      <p:sp>
+        <p:nvSpPr>
+          <p:cNvPr id="51" name="TextBox 50">
+            <a:extLst>
+              <a:ext uri="{FF2B5EF4-FFF2-40B4-BE49-F238E27FC236}">
+                <a16:creationId xmlns:a16="http://schemas.microsoft.com/office/drawing/2014/main" id="{298ECB9C-8A92-ED18-A3B7-33E0FF745AB7}"/>
+              </a:ext>
+            </a:extLst>
+          </p:cNvPr>
+          <p:cNvSpPr txBox="1"/>
+          <p:nvPr/>
+        </p:nvSpPr>
+        <p:spPr>
+          <a:xfrm>
+            <a:off x="4483097" y="3597675"/>
+            <a:ext cx="162455" cy="369332"/>
+          </a:xfrm>
+          <a:prstGeom prst="rect">
+            <a:avLst/>
+          </a:prstGeom>
+          <a:noFill/>
+        </p:spPr>
+        <p:txBody>
+          <a:bodyPr wrap="square" rtlCol="0">
+            <a:spAutoFit/>
+          </a:bodyPr>
+          <a:lstStyle/>
+          <a:p>
+            <a:r>
+              <a:rPr lang="en-IN" dirty="0"/>
+              <a:t>3</a:t>
+            </a:r>
+          </a:p>
+        </p:txBody>
+      </p:sp>
+      <p:sp>
+        <p:nvSpPr>
+          <p:cNvPr id="52" name="TextBox 51">
+            <a:extLst>
+              <a:ext uri="{FF2B5EF4-FFF2-40B4-BE49-F238E27FC236}">
+                <a16:creationId xmlns:a16="http://schemas.microsoft.com/office/drawing/2014/main" id="{52CAFBF8-F6BE-07C0-0829-03DEF9A24249}"/>
+              </a:ext>
+            </a:extLst>
+          </p:cNvPr>
+          <p:cNvSpPr txBox="1"/>
+          <p:nvPr/>
+        </p:nvSpPr>
+        <p:spPr>
+          <a:xfrm>
+            <a:off x="4454819" y="4292572"/>
+            <a:ext cx="162455" cy="369332"/>
+          </a:xfrm>
+          <a:prstGeom prst="rect">
+            <a:avLst/>
+          </a:prstGeom>
+          <a:noFill/>
+        </p:spPr>
+        <p:txBody>
+          <a:bodyPr wrap="square" rtlCol="0">
+            <a:spAutoFit/>
+          </a:bodyPr>
+          <a:lstStyle/>
+          <a:p>
+            <a:r>
+              <a:rPr lang="en-IN" dirty="0"/>
+              <a:t>4</a:t>
+            </a:r>
+          </a:p>
+        </p:txBody>
+      </p:sp>
+      <p:cxnSp>
+        <p:nvCxnSpPr>
+          <p:cNvPr id="54" name="Straight Arrow Connector 53">
+            <a:extLst>
+              <a:ext uri="{FF2B5EF4-FFF2-40B4-BE49-F238E27FC236}">
+                <a16:creationId xmlns:a16="http://schemas.microsoft.com/office/drawing/2014/main" id="{1B4F8D29-C14C-5447-339C-C77F8069354D}"/>
+              </a:ext>
+            </a:extLst>
+          </p:cNvPr>
+          <p:cNvCxnSpPr>
+            <a:cxnSpLocks/>
+          </p:cNvCxnSpPr>
+          <p:nvPr/>
+        </p:nvCxnSpPr>
+        <p:spPr>
+          <a:xfrm flipV="1">
+            <a:off x="5627298" y="3340973"/>
+            <a:ext cx="1529989" cy="11827"/>
+          </a:xfrm>
+          <a:prstGeom prst="straightConnector1">
+            <a:avLst/>
+          </a:prstGeom>
+          <a:ln>
+            <a:tailEnd type="triangle"/>
+          </a:ln>
+        </p:spPr>
+        <p:style>
+          <a:lnRef idx="2">
+            <a:schemeClr val="accent1"/>
+          </a:lnRef>
+          <a:fillRef idx="0">
+            <a:schemeClr val="accent1"/>
+          </a:fillRef>
+          <a:effectRef idx="1">
+            <a:schemeClr val="accent1"/>
+          </a:effectRef>
+          <a:fontRef idx="minor">
+            <a:schemeClr val="tx1"/>
+          </a:fontRef>
+        </p:style>
+      </p:cxnSp>
+      <p:cxnSp>
+        <p:nvCxnSpPr>
+          <p:cNvPr id="62" name="Connector: Elbow 61">
+            <a:extLst>
+              <a:ext uri="{FF2B5EF4-FFF2-40B4-BE49-F238E27FC236}">
+                <a16:creationId xmlns:a16="http://schemas.microsoft.com/office/drawing/2014/main" id="{DCFA8907-0474-04DA-3568-7A0CF1DEF55F}"/>
+              </a:ext>
+            </a:extLst>
+          </p:cNvPr>
+          <p:cNvCxnSpPr>
+            <a:cxnSpLocks/>
+          </p:cNvCxnSpPr>
+          <p:nvPr/>
+        </p:nvCxnSpPr>
+        <p:spPr>
+          <a:xfrm flipV="1">
+            <a:off x="5930779" y="5058491"/>
+            <a:ext cx="1177387" cy="473917"/>
+          </a:xfrm>
+          <a:prstGeom prst="bentConnector3">
+            <a:avLst>
+              <a:gd name="adj1" fmla="val 50000"/>
+            </a:avLst>
+          </a:prstGeom>
+          <a:ln>
+            <a:tailEnd type="triangle"/>
+          </a:ln>
+        </p:spPr>
+        <p:style>
+          <a:lnRef idx="2">
+            <a:schemeClr val="accent1"/>
+          </a:lnRef>
+          <a:fillRef idx="0">
+            <a:schemeClr val="accent1"/>
+          </a:fillRef>
+          <a:effectRef idx="1">
+            <a:schemeClr val="accent1"/>
+          </a:effectRef>
+          <a:fontRef idx="minor">
+            <a:schemeClr val="tx1"/>
+          </a:fontRef>
+        </p:style>
+      </p:cxnSp>
+      <p:cxnSp>
+        <p:nvCxnSpPr>
+          <p:cNvPr id="67" name="Connector: Elbow 66">
+            <a:extLst>
+              <a:ext uri="{FF2B5EF4-FFF2-40B4-BE49-F238E27FC236}">
+                <a16:creationId xmlns:a16="http://schemas.microsoft.com/office/drawing/2014/main" id="{BFC322C9-FB8A-1E75-9C56-7AF90A9CC7B4}"/>
+              </a:ext>
+            </a:extLst>
+          </p:cNvPr>
+          <p:cNvCxnSpPr>
+            <a:cxnSpLocks/>
+          </p:cNvCxnSpPr>
+          <p:nvPr/>
+        </p:nvCxnSpPr>
+        <p:spPr>
+          <a:xfrm>
+            <a:off x="5929461" y="4316766"/>
+            <a:ext cx="1144199" cy="449823"/>
+          </a:xfrm>
+          <a:prstGeom prst="bentConnector3">
+            <a:avLst/>
+          </a:prstGeom>
+          <a:ln>
+            <a:tailEnd type="triangle"/>
+          </a:ln>
+        </p:spPr>
+        <p:style>
+          <a:lnRef idx="2">
+            <a:schemeClr val="accent1"/>
+          </a:lnRef>
+          <a:fillRef idx="0">
+            <a:schemeClr val="accent1"/>
+          </a:fillRef>
+          <a:effectRef idx="1">
+            <a:schemeClr val="accent1"/>
+          </a:effectRef>
+          <a:fontRef idx="minor">
+            <a:schemeClr val="tx1"/>
+          </a:fontRef>
+        </p:style>
+      </p:cxnSp>
     </p:spTree>
   </p:cSld>
   <p:clrMapOvr>
@@ -3450,18 +4486,37 @@
 </file>
 
 <file path=ppt/slides/slide5.xml><?xml version="1.0" encoding="utf-8"?>
-<p:sld xmlns:a="http://schemas.openxmlformats.org/drawingml/2006/main" xmlns:p="http://schemas.openxmlformats.org/presentationml/2006/main" xmlns:r="http://schemas.openxmlformats.org/officeDocument/2006/relationships">
+<p:sld xmlns:a="http://schemas.openxmlformats.org/drawingml/2006/main" xmlns:r="http://schemas.openxmlformats.org/officeDocument/2006/relationships" xmlns:p="http://schemas.openxmlformats.org/presentationml/2006/main">
   <p:cSld>
     <p:spTree>
       <p:nvGrpSpPr>
-        <p:cNvPr id="1" name=""/>
+        <p:cNvPr id="1" name="">
+          <a:extLst>
+            <a:ext uri="{FF2B5EF4-FFF2-40B4-BE49-F238E27FC236}">
+              <a16:creationId xmlns:a16="http://schemas.microsoft.com/office/drawing/2014/main" id="{A47052C5-BD50-373E-5D8E-B9BD4676F610}"/>
+            </a:ext>
+          </a:extLst>
+        </p:cNvPr>
         <p:cNvGrpSpPr/>
         <p:nvPr/>
       </p:nvGrpSpPr>
-      <p:grpSpPr/>
-      <p:sp>
-        <p:nvSpPr>
-          <p:cNvPr id="2" name="Title 1"/>
+      <p:grpSpPr>
+        <a:xfrm>
+          <a:off x="0" y="0"/>
+          <a:ext cx="0" cy="0"/>
+          <a:chOff x="0" y="0"/>
+          <a:chExt cx="0" cy="0"/>
+        </a:xfrm>
+      </p:grpSpPr>
+      <p:sp>
+        <p:nvSpPr>
+          <p:cNvPr id="2" name="Title 1">
+            <a:extLst>
+              <a:ext uri="{FF2B5EF4-FFF2-40B4-BE49-F238E27FC236}">
+                <a16:creationId xmlns:a16="http://schemas.microsoft.com/office/drawing/2014/main" id="{57CB9549-1582-F2E4-043F-8AA3DF8D9416}"/>
+              </a:ext>
+            </a:extLst>
+          </p:cNvPr>
           <p:cNvSpPr>
             <a:spLocks noGrp="1"/>
           </p:cNvSpPr>
@@ -3475,14 +4530,20 @@
           <a:lstStyle/>
           <a:p>
             <a:r>
-              <a:t>Solution</a:t>
-            </a:r>
-          </a:p>
-        </p:txBody>
-      </p:sp>
-      <p:sp>
-        <p:nvSpPr>
-          <p:cNvPr id="3" name="Content Placeholder 2"/>
+              <a:t>Design &amp; Architecture</a:t>
+            </a:r>
+          </a:p>
+        </p:txBody>
+      </p:sp>
+      <p:sp>
+        <p:nvSpPr>
+          <p:cNvPr id="3" name="Content Placeholder 2">
+            <a:extLst>
+              <a:ext uri="{FF2B5EF4-FFF2-40B4-BE49-F238E27FC236}">
+                <a16:creationId xmlns:a16="http://schemas.microsoft.com/office/drawing/2014/main" id="{88AAB923-5DB1-2FE4-201D-64A03C539E23}"/>
+              </a:ext>
+            </a:extLst>
+          </p:cNvPr>
           <p:cNvSpPr>
             <a:spLocks noGrp="1"/>
           </p:cNvSpPr>
@@ -3492,36 +4553,87 @@
         </p:nvSpPr>
         <p:spPr/>
         <p:txBody>
-          <a:bodyPr/>
-          <a:lstStyle/>
-          <a:p>
-            <a:r>
-              <a:t>✔ Email Ingestion &amp; Parsing: Extracts email content and attachments, handling nested emails recursively.</a:t>
-            </a:r>
-          </a:p>
-          <a:p>
-            <a:r>
-              <a:t>✔ AI-Powered Classification: Uses GPT-4-turbo to classify emails into predefined categories.</a:t>
-            </a:r>
-          </a:p>
-          <a:p>
-            <a:r>
-              <a:t>✔ Metadata Extraction: Extracts key fields dynamically based on request type &amp; sub-request type.</a:t>
-            </a:r>
-          </a:p>
-          <a:p>
-            <a:r>
-              <a:t>✔ Duplicate Detection: Uses sentence-transformers and ChromaDB to find similar emails.</a:t>
-            </a:r>
-          </a:p>
-          <a:p>
-            <a:r>
-              <a:t>✔ Interactive Gradio UI: Displays classification results and metadata with real-time progress tracking.</a:t>
+          <a:bodyPr>
+            <a:normAutofit/>
+          </a:bodyPr>
+          <a:lstStyle/>
+          <a:p>
+            <a:r>
+              <a:rPr sz="2000" dirty="0"/>
+              <a:t>*(Placeholder: Add architecture diagram here)*</a:t>
+            </a:r>
+          </a:p>
+          <a:p>
+            <a:endParaRPr sz="2000" dirty="0"/>
+          </a:p>
+          <a:p>
+            <a:r>
+              <a:rPr sz="2000" dirty="0"/>
+              <a:t>**Workflow:**</a:t>
+            </a:r>
+          </a:p>
+          <a:p>
+            <a:r>
+              <a:rPr sz="2000" dirty="0"/>
+              <a:t>1️⃣ Email Ingestion: Parses `.</a:t>
+            </a:r>
+            <a:r>
+              <a:rPr sz="2000" dirty="0" err="1"/>
+              <a:t>eml</a:t>
+            </a:r>
+            <a:r>
+              <a:rPr sz="2000" dirty="0"/>
+              <a:t>` files, extracts content, and identifies attachments.</a:t>
+            </a:r>
+          </a:p>
+          <a:p>
+            <a:r>
+              <a:rPr sz="2000" dirty="0"/>
+              <a:t>2️⃣ AI Classification: GPT-4-turbo assigns request type &amp; sub-request type.</a:t>
+            </a:r>
+          </a:p>
+          <a:p>
+            <a:r>
+              <a:rPr sz="2000" dirty="0"/>
+              <a:t>3️⃣ Metadata Extraction: Key fields are extracted from email body &amp; attachments.</a:t>
+            </a:r>
+          </a:p>
+          <a:p>
+            <a:r>
+              <a:rPr sz="2000" dirty="0"/>
+              <a:t>4️⃣ Duplicate Detection: Embeddings stored in </a:t>
+            </a:r>
+            <a:r>
+              <a:rPr sz="2000" dirty="0" err="1"/>
+              <a:t>ChromaDB</a:t>
+            </a:r>
+            <a:r>
+              <a:rPr sz="2000" dirty="0"/>
+              <a:t> help find duplicate emails.</a:t>
+            </a:r>
+          </a:p>
+          <a:p>
+            <a:r>
+              <a:rPr sz="2000" dirty="0"/>
+              <a:t>5️⃣ Results Displayed: </a:t>
+            </a:r>
+            <a:r>
+              <a:rPr sz="2000" dirty="0" err="1"/>
+              <a:t>Gradio</a:t>
+            </a:r>
+            <a:r>
+              <a:rPr sz="2000" dirty="0"/>
+              <a:t> UI presents classification results in real time.</a:t>
             </a:r>
           </a:p>
         </p:txBody>
       </p:sp>
     </p:spTree>
+    <p:extLst>
+      <p:ext uri="{BB962C8B-B14F-4D97-AF65-F5344CB8AC3E}">
+        <p14:creationId xmlns:p14="http://schemas.microsoft.com/office/powerpoint/2010/main" val="4189256168"/>
+      </p:ext>
+    </p:extLst>
   </p:cSld>
   <p:clrMapOvr>
     <a:masterClrMapping/>
@@ -3530,7 +4642,7 @@
 </file>
 
 <file path=ppt/slides/slide6.xml><?xml version="1.0" encoding="utf-8"?>
-<p:sld xmlns:a="http://schemas.openxmlformats.org/drawingml/2006/main" xmlns:p="http://schemas.openxmlformats.org/presentationml/2006/main" xmlns:r="http://schemas.openxmlformats.org/officeDocument/2006/relationships">
+<p:sld xmlns:a="http://schemas.openxmlformats.org/drawingml/2006/main" xmlns:r="http://schemas.openxmlformats.org/officeDocument/2006/relationships" xmlns:p="http://schemas.openxmlformats.org/presentationml/2006/main">
   <p:cSld>
     <p:spTree>
       <p:nvGrpSpPr>
@@ -3538,7 +4650,14 @@
         <p:cNvGrpSpPr/>
         <p:nvPr/>
       </p:nvGrpSpPr>
-      <p:grpSpPr/>
+      <p:grpSpPr>
+        <a:xfrm>
+          <a:off x="0" y="0"/>
+          <a:ext cx="0" cy="0"/>
+          <a:chOff x="0" y="0"/>
+          <a:chExt cx="0" cy="0"/>
+        </a:xfrm>
+      </p:grpSpPr>
       <p:sp>
         <p:nvSpPr>
           <p:cNvPr id="2" name="Title 1"/>
@@ -3555,7 +4674,7 @@
           <a:lstStyle/>
           <a:p>
             <a:r>
-              <a:t>Design &amp; Architecture</a:t>
+              <a:t>Challenges We Faced</a:t>
             </a:r>
           </a:p>
         </p:txBody>
@@ -3572,42 +4691,28 @@
         </p:nvSpPr>
         <p:spPr/>
         <p:txBody>
-          <a:bodyPr/>
-          <a:lstStyle/>
-          <a:p>
-            <a:r>
-              <a:t>*(Placeholder: Add architecture diagram here)*</a:t>
-            </a:r>
-          </a:p>
-          <a:p/>
-          <a:p>
-            <a:r>
-              <a:t>**Workflow:**</a:t>
-            </a:r>
-          </a:p>
-          <a:p>
-            <a:r>
-              <a:t>1️⃣ Email Ingestion: Parses `.eml` files, extracts content, and identifies attachments.</a:t>
-            </a:r>
-          </a:p>
-          <a:p>
-            <a:r>
-              <a:t>2️⃣ AI Classification: GPT-4-turbo assigns request type &amp; sub-request type.</a:t>
-            </a:r>
-          </a:p>
-          <a:p>
-            <a:r>
-              <a:t>3️⃣ Metadata Extraction: Key fields are extracted from email body &amp; attachments.</a:t>
-            </a:r>
-          </a:p>
-          <a:p>
-            <a:r>
-              <a:t>4️⃣ Duplicate Detection: Embeddings stored in ChromaDB help find duplicate emails.</a:t>
-            </a:r>
-          </a:p>
-          <a:p>
-            <a:r>
-              <a:t>5️⃣ Results Displayed: Gradio UI presents classification results in real time.</a:t>
+          <a:bodyPr>
+            <a:normAutofit fontScale="92500" lnSpcReduction="10000"/>
+          </a:bodyPr>
+          <a:lstStyle/>
+          <a:p>
+            <a:r>
+              <a:t>🔴 Handling Nested Emails: Gmail `.eml` files required a fix for `message/rfc822` parsing.</a:t>
+            </a:r>
+          </a:p>
+          <a:p>
+            <a:r>
+              <a:t>🔴 Extracting Key Metadata Dynamically: Fields vary by request type, so we split classification &amp; metadata extraction.</a:t>
+            </a:r>
+          </a:p>
+          <a:p>
+            <a:r>
+              <a:t>🔴 OCR Accuracy on Images: Switched from `pytesseract` to `easyocr` for improved results.</a:t>
+            </a:r>
+          </a:p>
+          <a:p>
+            <a:r>
+              <a:t>🔴 Duplicate Detection Tuning: Optimized similarity threshold to 0.90 to reduce false positives.</a:t>
             </a:r>
           </a:p>
         </p:txBody>
@@ -3621,7 +4726,7 @@
 </file>
 
 <file path=ppt/slides/slide7.xml><?xml version="1.0" encoding="utf-8"?>
-<p:sld xmlns:a="http://schemas.openxmlformats.org/drawingml/2006/main" xmlns:p="http://schemas.openxmlformats.org/presentationml/2006/main" xmlns:r="http://schemas.openxmlformats.org/officeDocument/2006/relationships">
+<p:sld xmlns:a="http://schemas.openxmlformats.org/drawingml/2006/main" xmlns:r="http://schemas.openxmlformats.org/officeDocument/2006/relationships" xmlns:p="http://schemas.openxmlformats.org/presentationml/2006/main">
   <p:cSld>
     <p:spTree>
       <p:nvGrpSpPr>
@@ -3629,7 +4734,14 @@
         <p:cNvGrpSpPr/>
         <p:nvPr/>
       </p:nvGrpSpPr>
-      <p:grpSpPr/>
+      <p:grpSpPr>
+        <a:xfrm>
+          <a:off x="0" y="0"/>
+          <a:ext cx="0" cy="0"/>
+          <a:chOff x="0" y="0"/>
+          <a:chExt cx="0" cy="0"/>
+        </a:xfrm>
+      </p:grpSpPr>
       <p:sp>
         <p:nvSpPr>
           <p:cNvPr id="2" name="Title 1"/>
@@ -3646,7 +4758,7 @@
           <a:lstStyle/>
           <a:p>
             <a:r>
-              <a:t>Screenshots</a:t>
+              <a:t>Tech Stack Used</a:t>
             </a:r>
           </a:p>
         </p:txBody>
@@ -3663,142 +4775,9 @@
         </p:nvSpPr>
         <p:spPr/>
         <p:txBody>
-          <a:bodyPr/>
-          <a:lstStyle/>
-          <a:p>
-            <a:r>
-              <a:t>*(Placeholder: Add UI screenshots here)*</a:t>
-            </a:r>
-          </a:p>
-        </p:txBody>
-      </p:sp>
-    </p:spTree>
-  </p:cSld>
-  <p:clrMapOvr>
-    <a:masterClrMapping/>
-  </p:clrMapOvr>
-</p:sld>
-</file>
-
-<file path=ppt/slides/slide8.xml><?xml version="1.0" encoding="utf-8"?>
-<p:sld xmlns:a="http://schemas.openxmlformats.org/drawingml/2006/main" xmlns:p="http://schemas.openxmlformats.org/presentationml/2006/main" xmlns:r="http://schemas.openxmlformats.org/officeDocument/2006/relationships">
-  <p:cSld>
-    <p:spTree>
-      <p:nvGrpSpPr>
-        <p:cNvPr id="1" name=""/>
-        <p:cNvGrpSpPr/>
-        <p:nvPr/>
-      </p:nvGrpSpPr>
-      <p:grpSpPr/>
-      <p:sp>
-        <p:nvSpPr>
-          <p:cNvPr id="2" name="Title 1"/>
-          <p:cNvSpPr>
-            <a:spLocks noGrp="1"/>
-          </p:cNvSpPr>
-          <p:nvPr>
-            <p:ph type="title"/>
-          </p:nvPr>
-        </p:nvSpPr>
-        <p:spPr/>
-        <p:txBody>
-          <a:bodyPr/>
-          <a:lstStyle/>
-          <a:p>
-            <a:r>
-              <a:t>Challenges We Faced</a:t>
-            </a:r>
-          </a:p>
-        </p:txBody>
-      </p:sp>
-      <p:sp>
-        <p:nvSpPr>
-          <p:cNvPr id="3" name="Content Placeholder 2"/>
-          <p:cNvSpPr>
-            <a:spLocks noGrp="1"/>
-          </p:cNvSpPr>
-          <p:nvPr>
-            <p:ph idx="1"/>
-          </p:nvPr>
-        </p:nvSpPr>
-        <p:spPr/>
-        <p:txBody>
-          <a:bodyPr/>
-          <a:lstStyle/>
-          <a:p>
-            <a:r>
-              <a:t>🔴 Handling Nested Emails: Gmail `.eml` files required a fix for `message/rfc822` parsing.</a:t>
-            </a:r>
-          </a:p>
-          <a:p>
-            <a:r>
-              <a:t>🔴 Extracting Key Metadata Dynamically: Fields vary by request type, so we split classification &amp; metadata extraction.</a:t>
-            </a:r>
-          </a:p>
-          <a:p>
-            <a:r>
-              <a:t>🔴 OCR Accuracy on Images: Switched from `pytesseract` to `easyocr` for improved results.</a:t>
-            </a:r>
-          </a:p>
-          <a:p>
-            <a:r>
-              <a:t>🔴 Duplicate Detection Tuning: Optimized similarity threshold to 0.90 to reduce false positives.</a:t>
-            </a:r>
-          </a:p>
-        </p:txBody>
-      </p:sp>
-    </p:spTree>
-  </p:cSld>
-  <p:clrMapOvr>
-    <a:masterClrMapping/>
-  </p:clrMapOvr>
-</p:sld>
-</file>
-
-<file path=ppt/slides/slide9.xml><?xml version="1.0" encoding="utf-8"?>
-<p:sld xmlns:a="http://schemas.openxmlformats.org/drawingml/2006/main" xmlns:p="http://schemas.openxmlformats.org/presentationml/2006/main" xmlns:r="http://schemas.openxmlformats.org/officeDocument/2006/relationships">
-  <p:cSld>
-    <p:spTree>
-      <p:nvGrpSpPr>
-        <p:cNvPr id="1" name=""/>
-        <p:cNvGrpSpPr/>
-        <p:nvPr/>
-      </p:nvGrpSpPr>
-      <p:grpSpPr/>
-      <p:sp>
-        <p:nvSpPr>
-          <p:cNvPr id="2" name="Title 1"/>
-          <p:cNvSpPr>
-            <a:spLocks noGrp="1"/>
-          </p:cNvSpPr>
-          <p:nvPr>
-            <p:ph type="title"/>
-          </p:nvPr>
-        </p:nvSpPr>
-        <p:spPr/>
-        <p:txBody>
-          <a:bodyPr/>
-          <a:lstStyle/>
-          <a:p>
-            <a:r>
-              <a:t>Tech Stack Used</a:t>
-            </a:r>
-          </a:p>
-        </p:txBody>
-      </p:sp>
-      <p:sp>
-        <p:nvSpPr>
-          <p:cNvPr id="3" name="Content Placeholder 2"/>
-          <p:cNvSpPr>
-            <a:spLocks noGrp="1"/>
-          </p:cNvSpPr>
-          <p:nvPr>
-            <p:ph idx="1"/>
-          </p:nvPr>
-        </p:nvSpPr>
-        <p:spPr/>
-        <p:txBody>
-          <a:bodyPr/>
+          <a:bodyPr>
+            <a:normAutofit lnSpcReduction="10000"/>
+          </a:bodyPr>
           <a:lstStyle/>
           <a:p>
             <a:r>

--- a/artifacts/arch/AI_Email_Classification_Presentation.pptx
+++ b/artifacts/arch/AI_Email_Classification_Presentation.pptx
@@ -4477,6 +4477,76 @@
           </a:fontRef>
         </p:style>
       </p:cxnSp>
+      <p:sp>
+        <p:nvSpPr>
+          <p:cNvPr id="9" name="TextBox 8">
+            <a:extLst>
+              <a:ext uri="{FF2B5EF4-FFF2-40B4-BE49-F238E27FC236}">
+                <a16:creationId xmlns:a16="http://schemas.microsoft.com/office/drawing/2014/main" id="{A95109D5-AFA2-1425-D777-CD8C245EBECF}"/>
+              </a:ext>
+            </a:extLst>
+          </p:cNvPr>
+          <p:cNvSpPr txBox="1"/>
+          <p:nvPr/>
+        </p:nvSpPr>
+        <p:spPr>
+          <a:xfrm>
+            <a:off x="6976846" y="5231036"/>
+            <a:ext cx="914400" cy="276999"/>
+          </a:xfrm>
+          <a:prstGeom prst="rect">
+            <a:avLst/>
+          </a:prstGeom>
+          <a:noFill/>
+        </p:spPr>
+        <p:txBody>
+          <a:bodyPr wrap="square" rtlCol="0">
+            <a:spAutoFit/>
+          </a:bodyPr>
+          <a:lstStyle/>
+          <a:p>
+            <a:r>
+              <a:rPr lang="en-IN" sz="1200" dirty="0"/>
+              <a:t>GPT LLM</a:t>
+            </a:r>
+          </a:p>
+        </p:txBody>
+      </p:sp>
+      <p:sp>
+        <p:nvSpPr>
+          <p:cNvPr id="11" name="TextBox 10">
+            <a:extLst>
+              <a:ext uri="{FF2B5EF4-FFF2-40B4-BE49-F238E27FC236}">
+                <a16:creationId xmlns:a16="http://schemas.microsoft.com/office/drawing/2014/main" id="{4323D52D-1233-5FF8-03AC-24CFEF07E21D}"/>
+              </a:ext>
+            </a:extLst>
+          </p:cNvPr>
+          <p:cNvSpPr txBox="1"/>
+          <p:nvPr/>
+        </p:nvSpPr>
+        <p:spPr>
+          <a:xfrm>
+            <a:off x="7031004" y="3704243"/>
+            <a:ext cx="914400" cy="276999"/>
+          </a:xfrm>
+          <a:prstGeom prst="rect">
+            <a:avLst/>
+          </a:prstGeom>
+          <a:noFill/>
+        </p:spPr>
+        <p:txBody>
+          <a:bodyPr wrap="square" rtlCol="0">
+            <a:spAutoFit/>
+          </a:bodyPr>
+          <a:lstStyle/>
+          <a:p>
+            <a:r>
+              <a:rPr lang="en-IN" sz="1200" dirty="0"/>
+              <a:t>Chroma DB</a:t>
+            </a:r>
+          </a:p>
+        </p:txBody>
+      </p:sp>
     </p:spTree>
   </p:cSld>
   <p:clrMapOvr>

--- a/artifacts/arch/AI_Email_Classification_Presentation.pptx
+++ b/artifacts/arch/AI_Email_Classification_Presentation.pptx
@@ -3114,22 +3114,42 @@
           <a:lstStyle/>
           <a:p>
             <a:r>
-              <a:rPr dirty="0"/>
+              <a:rPr sz="3200" dirty="0">
+                <a:solidFill>
+                  <a:schemeClr val="accent2"/>
+                </a:solidFill>
+              </a:rPr>
               <a:t>AI-Powered </a:t>
             </a:r>
             <a:r>
-              <a:rPr lang="en-IN" dirty="0"/>
+              <a:rPr lang="en-IN" sz="3200" dirty="0">
+                <a:solidFill>
+                  <a:schemeClr val="accent2"/>
+                </a:solidFill>
+              </a:rPr>
               <a:t>Orchestrator for </a:t>
             </a:r>
             <a:r>
-              <a:rPr dirty="0"/>
+              <a:rPr sz="3200" dirty="0">
+                <a:solidFill>
+                  <a:schemeClr val="accent2"/>
+                </a:solidFill>
+              </a:rPr>
               <a:t>Email Classification &amp; </a:t>
             </a:r>
             <a:r>
-              <a:rPr lang="en-IN" dirty="0"/>
-              <a:t>Triage</a:t>
-            </a:r>
-            <a:endParaRPr dirty="0"/>
+              <a:rPr lang="en-IN" sz="3200" dirty="0">
+                <a:solidFill>
+                  <a:schemeClr val="accent2"/>
+                </a:solidFill>
+              </a:rPr>
+              <a:t>Triage Routing</a:t>
+            </a:r>
+            <a:endParaRPr sz="3200" dirty="0">
+              <a:solidFill>
+                <a:schemeClr val="accent2"/>
+              </a:solidFill>
+            </a:endParaRPr>
           </a:p>
         </p:txBody>
       </p:sp>
@@ -3145,30 +3165,28 @@
         </p:nvSpPr>
         <p:spPr/>
         <p:txBody>
-          <a:bodyPr/>
-          <a:lstStyle/>
-          <a:p>
-            <a:r>
-              <a:rPr dirty="0"/>
+          <a:bodyPr>
+            <a:normAutofit/>
+          </a:bodyPr>
+          <a:lstStyle/>
+          <a:p>
+            <a:r>
+              <a:rPr sz="2400" dirty="0"/>
               <a:t>Automating email classification</a:t>
             </a:r>
             <a:r>
-              <a:rPr lang="en-IN" dirty="0"/>
+              <a:rPr lang="en-IN" sz="2400" dirty="0"/>
               <a:t> for Service Request </a:t>
             </a:r>
             <a:r>
-              <a:rPr dirty="0"/>
+              <a:rPr sz="2400" dirty="0"/>
               <a:t>in commercial bank</a:t>
             </a:r>
             <a:r>
-              <a:rPr lang="en-IN" dirty="0"/>
-              <a:t> </a:t>
-            </a:r>
-            <a:r>
-              <a:rPr lang="en-IN"/>
-              <a:t>lending service</a:t>
-            </a:r>
-            <a:endParaRPr dirty="0"/>
+              <a:rPr lang="en-IN" sz="2400" dirty="0"/>
+              <a:t> lending service</a:t>
+            </a:r>
+            <a:endParaRPr sz="2400" dirty="0"/>
           </a:p>
         </p:txBody>
       </p:sp>
@@ -3213,6 +3231,11 @@
           <a:lstStyle/>
           <a:p>
             <a:r>
+              <a:rPr dirty="0">
+                <a:solidFill>
+                  <a:schemeClr val="accent2"/>
+                </a:solidFill>
+              </a:rPr>
               <a:t>Problem Statement</a:t>
             </a:r>
           </a:p>
@@ -3319,6 +3342,11 @@
           <a:lstStyle/>
           <a:p>
             <a:r>
+              <a:rPr dirty="0">
+                <a:solidFill>
+                  <a:schemeClr val="accent2"/>
+                </a:solidFill>
+              </a:rPr>
               <a:t>Inspiration</a:t>
             </a:r>
           </a:p>
@@ -3343,25 +3371,25 @@
           <a:p>
             <a:r>
               <a:rPr sz="2000" dirty="0"/>
-              <a:t>- Manual email processing in banking is inefficient, leading to high operational costs and errors.</a:t>
+              <a:t>Manual email processing in banking is inefficient, leading to high operational costs and errors.</a:t>
             </a:r>
           </a:p>
           <a:p>
             <a:r>
               <a:rPr sz="2000" dirty="0"/>
-              <a:t>- Generative AI models (LLMs) can understand unstructured text, making them ideal for automating classification.</a:t>
+              <a:t>Generative AI models (LLMs) can understand unstructured text, making them ideal for automating classification.</a:t>
             </a:r>
           </a:p>
           <a:p>
             <a:r>
               <a:rPr sz="2000" dirty="0"/>
-              <a:t>- OCR &amp; Embeddings enable processing PDFs, images, and detecting duplicate emails effectively.</a:t>
+              <a:t>OCR &amp; Embeddings enable processing PDFs, images, and detecting duplicate emails effectively.</a:t>
             </a:r>
           </a:p>
           <a:p>
             <a:r>
               <a:rPr sz="2000" dirty="0"/>
-              <a:t>- AI-driven automation in financial services inspired us to build a scalable, explainable, and efficient solution.</a:t>
+              <a:t>AI-driven automation in financial services inspired us to build a scalable, explainable, and efficient solution.</a:t>
             </a:r>
           </a:p>
         </p:txBody>
@@ -3407,7 +3435,11 @@
           <a:lstStyle/>
           <a:p>
             <a:r>
-              <a:rPr dirty="0"/>
+              <a:rPr dirty="0">
+                <a:solidFill>
+                  <a:schemeClr val="accent2"/>
+                </a:solidFill>
+              </a:rPr>
               <a:t>Design &amp; Architecture</a:t>
             </a:r>
           </a:p>
@@ -4600,6 +4632,11 @@
           <a:lstStyle/>
           <a:p>
             <a:r>
+              <a:rPr dirty="0">
+                <a:solidFill>
+                  <a:schemeClr val="accent2"/>
+                </a:solidFill>
+              </a:rPr>
               <a:t>Design &amp; Architecture</a:t>
             </a:r>
           </a:p>
@@ -4627,21 +4664,6 @@
             <a:normAutofit/>
           </a:bodyPr>
           <a:lstStyle/>
-          <a:p>
-            <a:r>
-              <a:rPr sz="2000" dirty="0"/>
-              <a:t>*(Placeholder: Add architecture diagram here)*</a:t>
-            </a:r>
-          </a:p>
-          <a:p>
-            <a:endParaRPr sz="2000" dirty="0"/>
-          </a:p>
-          <a:p>
-            <a:r>
-              <a:rPr sz="2000" dirty="0"/>
-              <a:t>**Workflow:**</a:t>
-            </a:r>
-          </a:p>
           <a:p>
             <a:r>
               <a:rPr sz="2000" dirty="0"/>
@@ -4744,6 +4766,11 @@
           <a:lstStyle/>
           <a:p>
             <a:r>
+              <a:rPr dirty="0">
+                <a:solidFill>
+                  <a:schemeClr val="accent2"/>
+                </a:solidFill>
+              </a:rPr>
               <a:t>Challenges We Faced</a:t>
             </a:r>
           </a:p>
@@ -4828,6 +4855,11 @@
           <a:lstStyle/>
           <a:p>
             <a:r>
+              <a:rPr dirty="0">
+                <a:solidFill>
+                  <a:schemeClr val="accent2"/>
+                </a:solidFill>
+              </a:rPr>
               <a:t>Tech Stack Used</a:t>
             </a:r>
           </a:p>
